--- a/Assets/Characta2D/Documentation/Characta2D.pptx
+++ b/Assets/Characta2D/Documentation/Characta2D.pptx
@@ -10,7 +10,9 @@
     <p:sldId id="258" r:id="rId4"/>
     <p:sldId id="259" r:id="rId5"/>
     <p:sldId id="260" r:id="rId6"/>
-    <p:sldId id="262" r:id="rId7"/>
+    <p:sldId id="263" r:id="rId7"/>
+    <p:sldId id="264" r:id="rId8"/>
+    <p:sldId id="262" r:id="rId9"/>
   </p:sldIdLst>
   <p:sldSz cx="12192000" cy="6858000"/>
   <p:notesSz cx="6858000" cy="9144000"/>
@@ -109,7 +111,28 @@
       </a:defRPr>
     </a:lvl9pPr>
   </p:defaultTextStyle>
+  <p:extLst>
+    <p:ext uri="{EFAFB233-063F-42B5-8137-9DF3F51BA10A}">
+      <p15:sldGuideLst xmlns:p15="http://schemas.microsoft.com/office/powerpoint/2012/main"/>
+    </p:ext>
+  </p:extLst>
 </p:presentation>
+</file>
+
+<file path=ppt/commentAuthors.xml><?xml version="1.0" encoding="utf-8"?>
+<p:cmAuthorLst xmlns:a="http://schemas.openxmlformats.org/drawingml/2006/main" xmlns:r="http://schemas.openxmlformats.org/officeDocument/2006/relationships" xmlns:p="http://schemas.openxmlformats.org/presentationml/2006/main">
+  <p:cmAuthor id="1" name="Vito Domenico Tagliente" initials="VDT" lastIdx="1" clrIdx="0">
+    <p:extLst>
+      <p:ext uri="{19B8F6BF-5375-455C-9EA6-DF929625EA0E}">
+        <p15:presenceInfo xmlns:p15="http://schemas.microsoft.com/office/powerpoint/2012/main" userId="b4d98a23d4766b6c" providerId="Windows Live"/>
+      </p:ext>
+    </p:extLst>
+  </p:cmAuthor>
+</p:cmAuthorLst>
+</file>
+
+<file path=ppt/revisionInfo.xml><?xml version="1.0" encoding="utf-8"?>
+<p1510:revInfo xmlns:a="http://schemas.openxmlformats.org/drawingml/2006/main" xmlns:r="http://schemas.openxmlformats.org/officeDocument/2006/relationships" xmlns:p1510="http://schemas.microsoft.com/office/powerpoint/2015/10/main"/>
 </file>
 
 <file path=ppt/slideLayouts/slideLayout1.xml><?xml version="1.0" encoding="utf-8"?>
@@ -154,10 +177,9 @@
           </a:lstStyle>
           <a:p>
             <a:r>
-              <a:rPr lang="it-IT" smtClean="0"/>
+              <a:rPr lang="it-IT"/>
               <a:t>Fare clic per modificare lo stile del titolo</a:t>
             </a:r>
-            <a:endParaRPr lang="it-IT"/>
           </a:p>
         </p:txBody>
       </p:sp>
@@ -219,10 +241,9 @@
           </a:lstStyle>
           <a:p>
             <a:r>
-              <a:rPr lang="it-IT" smtClean="0"/>
+              <a:rPr lang="it-IT"/>
               <a:t>Fare clic per modificare lo stile del sottotitolo dello schema</a:t>
             </a:r>
-            <a:endParaRPr lang="it-IT"/>
           </a:p>
         </p:txBody>
       </p:sp>
@@ -243,7 +264,7 @@
           <a:p>
             <a:fld id="{B1F0EC6E-85A5-4F6A-B203-DADDAD561739}" type="datetimeFigureOut">
               <a:rPr lang="it-IT" smtClean="0"/>
-              <a:t>06/08/2017</a:t>
+              <a:t>01/11/2017</a:t>
             </a:fld>
             <a:endParaRPr lang="it-IT"/>
           </a:p>
@@ -337,10 +358,9 @@
           <a:lstStyle/>
           <a:p>
             <a:r>
-              <a:rPr lang="it-IT" smtClean="0"/>
+              <a:rPr lang="it-IT"/>
               <a:t>Fare clic per modificare lo stile del titolo</a:t>
             </a:r>
-            <a:endParaRPr lang="it-IT"/>
           </a:p>
         </p:txBody>
       </p:sp>
@@ -361,38 +381,37 @@
           <a:p>
             <a:pPr lvl="0"/>
             <a:r>
-              <a:rPr lang="it-IT" smtClean="0"/>
+              <a:rPr lang="it-IT"/>
               <a:t>Fare clic per modificare stili del testo dello schema</a:t>
             </a:r>
           </a:p>
           <a:p>
             <a:pPr lvl="1"/>
             <a:r>
-              <a:rPr lang="it-IT" smtClean="0"/>
+              <a:rPr lang="it-IT"/>
               <a:t>Secondo livello</a:t>
             </a:r>
           </a:p>
           <a:p>
             <a:pPr lvl="2"/>
             <a:r>
-              <a:rPr lang="it-IT" smtClean="0"/>
+              <a:rPr lang="it-IT"/>
               <a:t>Terzo livello</a:t>
             </a:r>
           </a:p>
           <a:p>
             <a:pPr lvl="3"/>
             <a:r>
-              <a:rPr lang="it-IT" smtClean="0"/>
+              <a:rPr lang="it-IT"/>
               <a:t>Quarto livello</a:t>
             </a:r>
           </a:p>
           <a:p>
             <a:pPr lvl="4"/>
             <a:r>
-              <a:rPr lang="it-IT" smtClean="0"/>
+              <a:rPr lang="it-IT"/>
               <a:t>Quinto livello</a:t>
             </a:r>
-            <a:endParaRPr lang="it-IT"/>
           </a:p>
         </p:txBody>
       </p:sp>
@@ -413,7 +432,7 @@
           <a:p>
             <a:fld id="{B1F0EC6E-85A5-4F6A-B203-DADDAD561739}" type="datetimeFigureOut">
               <a:rPr lang="it-IT" smtClean="0"/>
-              <a:t>06/08/2017</a:t>
+              <a:t>01/11/2017</a:t>
             </a:fld>
             <a:endParaRPr lang="it-IT"/>
           </a:p>
@@ -512,10 +531,9 @@
           <a:lstStyle/>
           <a:p>
             <a:r>
-              <a:rPr lang="it-IT" smtClean="0"/>
+              <a:rPr lang="it-IT"/>
               <a:t>Fare clic per modificare lo stile del titolo</a:t>
             </a:r>
-            <a:endParaRPr lang="it-IT"/>
           </a:p>
         </p:txBody>
       </p:sp>
@@ -541,38 +559,37 @@
           <a:p>
             <a:pPr lvl="0"/>
             <a:r>
-              <a:rPr lang="it-IT" smtClean="0"/>
+              <a:rPr lang="it-IT"/>
               <a:t>Fare clic per modificare stili del testo dello schema</a:t>
             </a:r>
           </a:p>
           <a:p>
             <a:pPr lvl="1"/>
             <a:r>
-              <a:rPr lang="it-IT" smtClean="0"/>
+              <a:rPr lang="it-IT"/>
               <a:t>Secondo livello</a:t>
             </a:r>
           </a:p>
           <a:p>
             <a:pPr lvl="2"/>
             <a:r>
-              <a:rPr lang="it-IT" smtClean="0"/>
+              <a:rPr lang="it-IT"/>
               <a:t>Terzo livello</a:t>
             </a:r>
           </a:p>
           <a:p>
             <a:pPr lvl="3"/>
             <a:r>
-              <a:rPr lang="it-IT" smtClean="0"/>
+              <a:rPr lang="it-IT"/>
               <a:t>Quarto livello</a:t>
             </a:r>
           </a:p>
           <a:p>
             <a:pPr lvl="4"/>
             <a:r>
-              <a:rPr lang="it-IT" smtClean="0"/>
+              <a:rPr lang="it-IT"/>
               <a:t>Quinto livello</a:t>
             </a:r>
-            <a:endParaRPr lang="it-IT"/>
           </a:p>
         </p:txBody>
       </p:sp>
@@ -593,7 +610,7 @@
           <a:p>
             <a:fld id="{B1F0EC6E-85A5-4F6A-B203-DADDAD561739}" type="datetimeFigureOut">
               <a:rPr lang="it-IT" smtClean="0"/>
-              <a:t>06/08/2017</a:t>
+              <a:t>01/11/2017</a:t>
             </a:fld>
             <a:endParaRPr lang="it-IT"/>
           </a:p>
@@ -687,10 +704,9 @@
           <a:lstStyle/>
           <a:p>
             <a:r>
-              <a:rPr lang="it-IT" smtClean="0"/>
+              <a:rPr lang="it-IT"/>
               <a:t>Fare clic per modificare lo stile del titolo</a:t>
             </a:r>
-            <a:endParaRPr lang="it-IT"/>
           </a:p>
         </p:txBody>
       </p:sp>
@@ -711,38 +727,37 @@
           <a:p>
             <a:pPr lvl="0"/>
             <a:r>
-              <a:rPr lang="it-IT" smtClean="0"/>
+              <a:rPr lang="it-IT"/>
               <a:t>Fare clic per modificare stili del testo dello schema</a:t>
             </a:r>
           </a:p>
           <a:p>
             <a:pPr lvl="1"/>
             <a:r>
-              <a:rPr lang="it-IT" smtClean="0"/>
+              <a:rPr lang="it-IT"/>
               <a:t>Secondo livello</a:t>
             </a:r>
           </a:p>
           <a:p>
             <a:pPr lvl="2"/>
             <a:r>
-              <a:rPr lang="it-IT" smtClean="0"/>
+              <a:rPr lang="it-IT"/>
               <a:t>Terzo livello</a:t>
             </a:r>
           </a:p>
           <a:p>
             <a:pPr lvl="3"/>
             <a:r>
-              <a:rPr lang="it-IT" smtClean="0"/>
+              <a:rPr lang="it-IT"/>
               <a:t>Quarto livello</a:t>
             </a:r>
           </a:p>
           <a:p>
             <a:pPr lvl="4"/>
             <a:r>
-              <a:rPr lang="it-IT" smtClean="0"/>
+              <a:rPr lang="it-IT"/>
               <a:t>Quinto livello</a:t>
             </a:r>
-            <a:endParaRPr lang="it-IT"/>
           </a:p>
         </p:txBody>
       </p:sp>
@@ -763,7 +778,7 @@
           <a:p>
             <a:fld id="{B1F0EC6E-85A5-4F6A-B203-DADDAD561739}" type="datetimeFigureOut">
               <a:rPr lang="it-IT" smtClean="0"/>
-              <a:t>06/08/2017</a:t>
+              <a:t>01/11/2017</a:t>
             </a:fld>
             <a:endParaRPr lang="it-IT"/>
           </a:p>
@@ -866,10 +881,9 @@
           </a:lstStyle>
           <a:p>
             <a:r>
-              <a:rPr lang="it-IT" smtClean="0"/>
+              <a:rPr lang="it-IT"/>
               <a:t>Fare clic per modificare lo stile del titolo</a:t>
             </a:r>
-            <a:endParaRPr lang="it-IT"/>
           </a:p>
         </p:txBody>
       </p:sp>
@@ -986,7 +1000,7 @@
           <a:p>
             <a:pPr lvl="0"/>
             <a:r>
-              <a:rPr lang="it-IT" smtClean="0"/>
+              <a:rPr lang="it-IT"/>
               <a:t>Fare clic per modificare stili del testo dello schema</a:t>
             </a:r>
           </a:p>
@@ -1009,7 +1023,7 @@
           <a:p>
             <a:fld id="{B1F0EC6E-85A5-4F6A-B203-DADDAD561739}" type="datetimeFigureOut">
               <a:rPr lang="it-IT" smtClean="0"/>
-              <a:t>06/08/2017</a:t>
+              <a:t>01/11/2017</a:t>
             </a:fld>
             <a:endParaRPr lang="it-IT"/>
           </a:p>
@@ -1103,10 +1117,9 @@
           <a:lstStyle/>
           <a:p>
             <a:r>
-              <a:rPr lang="it-IT" smtClean="0"/>
+              <a:rPr lang="it-IT"/>
               <a:t>Fare clic per modificare lo stile del titolo</a:t>
             </a:r>
-            <a:endParaRPr lang="it-IT"/>
           </a:p>
         </p:txBody>
       </p:sp>
@@ -1132,38 +1145,37 @@
           <a:p>
             <a:pPr lvl="0"/>
             <a:r>
-              <a:rPr lang="it-IT" smtClean="0"/>
+              <a:rPr lang="it-IT"/>
               <a:t>Fare clic per modificare stili del testo dello schema</a:t>
             </a:r>
           </a:p>
           <a:p>
             <a:pPr lvl="1"/>
             <a:r>
-              <a:rPr lang="it-IT" smtClean="0"/>
+              <a:rPr lang="it-IT"/>
               <a:t>Secondo livello</a:t>
             </a:r>
           </a:p>
           <a:p>
             <a:pPr lvl="2"/>
             <a:r>
-              <a:rPr lang="it-IT" smtClean="0"/>
+              <a:rPr lang="it-IT"/>
               <a:t>Terzo livello</a:t>
             </a:r>
           </a:p>
           <a:p>
             <a:pPr lvl="3"/>
             <a:r>
-              <a:rPr lang="it-IT" smtClean="0"/>
+              <a:rPr lang="it-IT"/>
               <a:t>Quarto livello</a:t>
             </a:r>
           </a:p>
           <a:p>
             <a:pPr lvl="4"/>
             <a:r>
-              <a:rPr lang="it-IT" smtClean="0"/>
+              <a:rPr lang="it-IT"/>
               <a:t>Quinto livello</a:t>
             </a:r>
-            <a:endParaRPr lang="it-IT"/>
           </a:p>
         </p:txBody>
       </p:sp>
@@ -1189,38 +1201,37 @@
           <a:p>
             <a:pPr lvl="0"/>
             <a:r>
-              <a:rPr lang="it-IT" smtClean="0"/>
+              <a:rPr lang="it-IT"/>
               <a:t>Fare clic per modificare stili del testo dello schema</a:t>
             </a:r>
           </a:p>
           <a:p>
             <a:pPr lvl="1"/>
             <a:r>
-              <a:rPr lang="it-IT" smtClean="0"/>
+              <a:rPr lang="it-IT"/>
               <a:t>Secondo livello</a:t>
             </a:r>
           </a:p>
           <a:p>
             <a:pPr lvl="2"/>
             <a:r>
-              <a:rPr lang="it-IT" smtClean="0"/>
+              <a:rPr lang="it-IT"/>
               <a:t>Terzo livello</a:t>
             </a:r>
           </a:p>
           <a:p>
             <a:pPr lvl="3"/>
             <a:r>
-              <a:rPr lang="it-IT" smtClean="0"/>
+              <a:rPr lang="it-IT"/>
               <a:t>Quarto livello</a:t>
             </a:r>
           </a:p>
           <a:p>
             <a:pPr lvl="4"/>
             <a:r>
-              <a:rPr lang="it-IT" smtClean="0"/>
+              <a:rPr lang="it-IT"/>
               <a:t>Quinto livello</a:t>
             </a:r>
-            <a:endParaRPr lang="it-IT"/>
           </a:p>
         </p:txBody>
       </p:sp>
@@ -1241,7 +1252,7 @@
           <a:p>
             <a:fld id="{B1F0EC6E-85A5-4F6A-B203-DADDAD561739}" type="datetimeFigureOut">
               <a:rPr lang="it-IT" smtClean="0"/>
-              <a:t>06/08/2017</a:t>
+              <a:t>01/11/2017</a:t>
             </a:fld>
             <a:endParaRPr lang="it-IT"/>
           </a:p>
@@ -1340,10 +1351,9 @@
           <a:lstStyle/>
           <a:p>
             <a:r>
-              <a:rPr lang="it-IT" smtClean="0"/>
+              <a:rPr lang="it-IT"/>
               <a:t>Fare clic per modificare lo stile del titolo</a:t>
             </a:r>
-            <a:endParaRPr lang="it-IT"/>
           </a:p>
         </p:txBody>
       </p:sp>
@@ -1406,7 +1416,7 @@
           <a:p>
             <a:pPr lvl="0"/>
             <a:r>
-              <a:rPr lang="it-IT" smtClean="0"/>
+              <a:rPr lang="it-IT"/>
               <a:t>Fare clic per modificare stili del testo dello schema</a:t>
             </a:r>
           </a:p>
@@ -1434,38 +1444,37 @@
           <a:p>
             <a:pPr lvl="0"/>
             <a:r>
-              <a:rPr lang="it-IT" smtClean="0"/>
+              <a:rPr lang="it-IT"/>
               <a:t>Fare clic per modificare stili del testo dello schema</a:t>
             </a:r>
           </a:p>
           <a:p>
             <a:pPr lvl="1"/>
             <a:r>
-              <a:rPr lang="it-IT" smtClean="0"/>
+              <a:rPr lang="it-IT"/>
               <a:t>Secondo livello</a:t>
             </a:r>
           </a:p>
           <a:p>
             <a:pPr lvl="2"/>
             <a:r>
-              <a:rPr lang="it-IT" smtClean="0"/>
+              <a:rPr lang="it-IT"/>
               <a:t>Terzo livello</a:t>
             </a:r>
           </a:p>
           <a:p>
             <a:pPr lvl="3"/>
             <a:r>
-              <a:rPr lang="it-IT" smtClean="0"/>
+              <a:rPr lang="it-IT"/>
               <a:t>Quarto livello</a:t>
             </a:r>
           </a:p>
           <a:p>
             <a:pPr lvl="4"/>
             <a:r>
-              <a:rPr lang="it-IT" smtClean="0"/>
+              <a:rPr lang="it-IT"/>
               <a:t>Quinto livello</a:t>
             </a:r>
-            <a:endParaRPr lang="it-IT"/>
           </a:p>
         </p:txBody>
       </p:sp>
@@ -1528,7 +1537,7 @@
           <a:p>
             <a:pPr lvl="0"/>
             <a:r>
-              <a:rPr lang="it-IT" smtClean="0"/>
+              <a:rPr lang="it-IT"/>
               <a:t>Fare clic per modificare stili del testo dello schema</a:t>
             </a:r>
           </a:p>
@@ -1556,38 +1565,37 @@
           <a:p>
             <a:pPr lvl="0"/>
             <a:r>
-              <a:rPr lang="it-IT" smtClean="0"/>
+              <a:rPr lang="it-IT"/>
               <a:t>Fare clic per modificare stili del testo dello schema</a:t>
             </a:r>
           </a:p>
           <a:p>
             <a:pPr lvl="1"/>
             <a:r>
-              <a:rPr lang="it-IT" smtClean="0"/>
+              <a:rPr lang="it-IT"/>
               <a:t>Secondo livello</a:t>
             </a:r>
           </a:p>
           <a:p>
             <a:pPr lvl="2"/>
             <a:r>
-              <a:rPr lang="it-IT" smtClean="0"/>
+              <a:rPr lang="it-IT"/>
               <a:t>Terzo livello</a:t>
             </a:r>
           </a:p>
           <a:p>
             <a:pPr lvl="3"/>
             <a:r>
-              <a:rPr lang="it-IT" smtClean="0"/>
+              <a:rPr lang="it-IT"/>
               <a:t>Quarto livello</a:t>
             </a:r>
           </a:p>
           <a:p>
             <a:pPr lvl="4"/>
             <a:r>
-              <a:rPr lang="it-IT" smtClean="0"/>
+              <a:rPr lang="it-IT"/>
               <a:t>Quinto livello</a:t>
             </a:r>
-            <a:endParaRPr lang="it-IT"/>
           </a:p>
         </p:txBody>
       </p:sp>
@@ -1608,7 +1616,7 @@
           <a:p>
             <a:fld id="{B1F0EC6E-85A5-4F6A-B203-DADDAD561739}" type="datetimeFigureOut">
               <a:rPr lang="it-IT" smtClean="0"/>
-              <a:t>06/08/2017</a:t>
+              <a:t>01/11/2017</a:t>
             </a:fld>
             <a:endParaRPr lang="it-IT"/>
           </a:p>
@@ -1702,10 +1710,9 @@
           <a:lstStyle/>
           <a:p>
             <a:r>
-              <a:rPr lang="it-IT" smtClean="0"/>
+              <a:rPr lang="it-IT"/>
               <a:t>Fare clic per modificare lo stile del titolo</a:t>
             </a:r>
-            <a:endParaRPr lang="it-IT"/>
           </a:p>
         </p:txBody>
       </p:sp>
@@ -1726,7 +1733,7 @@
           <a:p>
             <a:fld id="{B1F0EC6E-85A5-4F6A-B203-DADDAD561739}" type="datetimeFigureOut">
               <a:rPr lang="it-IT" smtClean="0"/>
-              <a:t>06/08/2017</a:t>
+              <a:t>01/11/2017</a:t>
             </a:fld>
             <a:endParaRPr lang="it-IT"/>
           </a:p>
@@ -1821,7 +1828,7 @@
           <a:p>
             <a:fld id="{B1F0EC6E-85A5-4F6A-B203-DADDAD561739}" type="datetimeFigureOut">
               <a:rPr lang="it-IT" smtClean="0"/>
-              <a:t>06/08/2017</a:t>
+              <a:t>01/11/2017</a:t>
             </a:fld>
             <a:endParaRPr lang="it-IT"/>
           </a:p>
@@ -1924,10 +1931,9 @@
           </a:lstStyle>
           <a:p>
             <a:r>
-              <a:rPr lang="it-IT" smtClean="0"/>
+              <a:rPr lang="it-IT"/>
               <a:t>Fare clic per modificare lo stile del titolo</a:t>
             </a:r>
-            <a:endParaRPr lang="it-IT"/>
           </a:p>
         </p:txBody>
       </p:sp>
@@ -1981,38 +1987,37 @@
           <a:p>
             <a:pPr lvl="0"/>
             <a:r>
-              <a:rPr lang="it-IT" smtClean="0"/>
+              <a:rPr lang="it-IT"/>
               <a:t>Fare clic per modificare stili del testo dello schema</a:t>
             </a:r>
           </a:p>
           <a:p>
             <a:pPr lvl="1"/>
             <a:r>
-              <a:rPr lang="it-IT" smtClean="0"/>
+              <a:rPr lang="it-IT"/>
               <a:t>Secondo livello</a:t>
             </a:r>
           </a:p>
           <a:p>
             <a:pPr lvl="2"/>
             <a:r>
-              <a:rPr lang="it-IT" smtClean="0"/>
+              <a:rPr lang="it-IT"/>
               <a:t>Terzo livello</a:t>
             </a:r>
           </a:p>
           <a:p>
             <a:pPr lvl="3"/>
             <a:r>
-              <a:rPr lang="it-IT" smtClean="0"/>
+              <a:rPr lang="it-IT"/>
               <a:t>Quarto livello</a:t>
             </a:r>
           </a:p>
           <a:p>
             <a:pPr lvl="4"/>
             <a:r>
-              <a:rPr lang="it-IT" smtClean="0"/>
+              <a:rPr lang="it-IT"/>
               <a:t>Quinto livello</a:t>
             </a:r>
-            <a:endParaRPr lang="it-IT"/>
           </a:p>
         </p:txBody>
       </p:sp>
@@ -2075,7 +2080,7 @@
           <a:p>
             <a:pPr lvl="0"/>
             <a:r>
-              <a:rPr lang="it-IT" smtClean="0"/>
+              <a:rPr lang="it-IT"/>
               <a:t>Fare clic per modificare stili del testo dello schema</a:t>
             </a:r>
           </a:p>
@@ -2098,7 +2103,7 @@
           <a:p>
             <a:fld id="{B1F0EC6E-85A5-4F6A-B203-DADDAD561739}" type="datetimeFigureOut">
               <a:rPr lang="it-IT" smtClean="0"/>
-              <a:t>06/08/2017</a:t>
+              <a:t>01/11/2017</a:t>
             </a:fld>
             <a:endParaRPr lang="it-IT"/>
           </a:p>
@@ -2201,10 +2206,9 @@
           </a:lstStyle>
           <a:p>
             <a:r>
-              <a:rPr lang="it-IT" smtClean="0"/>
+              <a:rPr lang="it-IT"/>
               <a:t>Fare clic per modificare lo stile del titolo</a:t>
             </a:r>
-            <a:endParaRPr lang="it-IT"/>
           </a:p>
         </p:txBody>
       </p:sp>
@@ -2328,7 +2332,7 @@
           <a:p>
             <a:pPr lvl="0"/>
             <a:r>
-              <a:rPr lang="it-IT" smtClean="0"/>
+              <a:rPr lang="it-IT"/>
               <a:t>Fare clic per modificare stili del testo dello schema</a:t>
             </a:r>
           </a:p>
@@ -2351,7 +2355,7 @@
           <a:p>
             <a:fld id="{B1F0EC6E-85A5-4F6A-B203-DADDAD561739}" type="datetimeFigureOut">
               <a:rPr lang="it-IT" smtClean="0"/>
-              <a:t>06/08/2017</a:t>
+              <a:t>01/11/2017</a:t>
             </a:fld>
             <a:endParaRPr lang="it-IT"/>
           </a:p>
@@ -2460,10 +2464,9 @@
           <a:lstStyle/>
           <a:p>
             <a:r>
-              <a:rPr lang="it-IT" smtClean="0"/>
+              <a:rPr lang="it-IT"/>
               <a:t>Fare clic per modificare lo stile del titolo</a:t>
             </a:r>
-            <a:endParaRPr lang="it-IT"/>
           </a:p>
         </p:txBody>
       </p:sp>
@@ -2494,38 +2497,37 @@
           <a:p>
             <a:pPr lvl="0"/>
             <a:r>
-              <a:rPr lang="it-IT" smtClean="0"/>
+              <a:rPr lang="it-IT"/>
               <a:t>Fare clic per modificare stili del testo dello schema</a:t>
             </a:r>
           </a:p>
           <a:p>
             <a:pPr lvl="1"/>
             <a:r>
-              <a:rPr lang="it-IT" smtClean="0"/>
+              <a:rPr lang="it-IT"/>
               <a:t>Secondo livello</a:t>
             </a:r>
           </a:p>
           <a:p>
             <a:pPr lvl="2"/>
             <a:r>
-              <a:rPr lang="it-IT" smtClean="0"/>
+              <a:rPr lang="it-IT"/>
               <a:t>Terzo livello</a:t>
             </a:r>
           </a:p>
           <a:p>
             <a:pPr lvl="3"/>
             <a:r>
-              <a:rPr lang="it-IT" smtClean="0"/>
+              <a:rPr lang="it-IT"/>
               <a:t>Quarto livello</a:t>
             </a:r>
           </a:p>
           <a:p>
             <a:pPr lvl="4"/>
             <a:r>
-              <a:rPr lang="it-IT" smtClean="0"/>
+              <a:rPr lang="it-IT"/>
               <a:t>Quinto livello</a:t>
             </a:r>
-            <a:endParaRPr lang="it-IT"/>
           </a:p>
         </p:txBody>
       </p:sp>
@@ -2564,7 +2566,7 @@
           <a:p>
             <a:fld id="{B1F0EC6E-85A5-4F6A-B203-DADDAD561739}" type="datetimeFigureOut">
               <a:rPr lang="it-IT" smtClean="0"/>
-              <a:t>06/08/2017</a:t>
+              <a:t>01/11/2017</a:t>
             </a:fld>
             <a:endParaRPr lang="it-IT"/>
           </a:p>
@@ -2985,10 +2987,9 @@
           <a:lstStyle/>
           <a:p>
             <a:r>
-              <a:rPr lang="it-IT" b="1" dirty="0" smtClean="0"/>
+              <a:rPr lang="it-IT" b="1" dirty="0"/>
               <a:t>Characta2D</a:t>
             </a:r>
-            <a:endParaRPr lang="it-IT" b="1" dirty="0"/>
           </a:p>
         </p:txBody>
       </p:sp>
@@ -3008,20 +3009,12 @@
           <a:lstStyle/>
           <a:p>
             <a:r>
-              <a:rPr lang="it-IT" dirty="0" err="1" smtClean="0"/>
+              <a:rPr lang="it-IT" dirty="0" err="1"/>
               <a:t>Character</a:t>
             </a:r>
             <a:r>
               <a:rPr lang="it-IT" dirty="0"/>
-              <a:t> </a:t>
-            </a:r>
-            <a:r>
-              <a:rPr lang="it-IT" dirty="0" smtClean="0"/>
-              <a:t>Controller made on </a:t>
-            </a:r>
-            <a:r>
-              <a:rPr lang="it-IT" dirty="0"/>
-              <a:t>custom </a:t>
+              <a:t> Controller made on custom </a:t>
             </a:r>
             <a:r>
               <a:rPr lang="it-IT" dirty="0" err="1"/>
@@ -3077,22 +3070,21 @@
           <a:lstStyle/>
           <a:p>
             <a:r>
-              <a:rPr lang="it-IT" b="1" dirty="0" err="1" smtClean="0"/>
+              <a:rPr lang="it-IT" b="1" dirty="0" err="1"/>
               <a:t>Why</a:t>
             </a:r>
             <a:r>
-              <a:rPr lang="it-IT" b="1" dirty="0" smtClean="0"/>
+              <a:rPr lang="it-IT" b="1" dirty="0"/>
               <a:t> custom </a:t>
             </a:r>
             <a:r>
-              <a:rPr lang="it-IT" b="1" dirty="0" err="1" smtClean="0"/>
+              <a:rPr lang="it-IT" b="1" dirty="0" err="1"/>
               <a:t>physics</a:t>
             </a:r>
             <a:r>
-              <a:rPr lang="it-IT" b="1" dirty="0" smtClean="0"/>
+              <a:rPr lang="it-IT" b="1" dirty="0"/>
               <a:t>?</a:t>
             </a:r>
-            <a:endParaRPr lang="it-IT" b="1" dirty="0"/>
           </a:p>
         </p:txBody>
       </p:sp>
@@ -3117,21 +3109,13 @@
           <a:lstStyle/>
           <a:p>
             <a:r>
-              <a:rPr lang="en-US" dirty="0" smtClean="0"/>
-              <a:t>A </a:t>
-            </a:r>
-            <a:r>
               <a:rPr lang="en-US" dirty="0"/>
-              <a:t>pure physics-based solution for a platform </a:t>
-            </a:r>
-            <a:r>
-              <a:rPr lang="en-US" dirty="0" smtClean="0"/>
-              <a:t>character is like the hell</a:t>
-            </a:r>
-          </a:p>
-          <a:p>
-            <a:r>
-              <a:rPr lang="en-US" dirty="0" smtClean="0"/>
+              <a:t>A pure physics-based solution for a platform character is like the hell</a:t>
+            </a:r>
+          </a:p>
+          <a:p>
+            <a:r>
+              <a:rPr lang="en-US" dirty="0"/>
               <a:t>For example, wall jumps (and other stuff) are difficult</a:t>
             </a:r>
           </a:p>
@@ -3259,16 +3243,136 @@
           <a:lstStyle/>
           <a:p>
             <a:r>
-              <a:rPr lang="it-IT" b="1" dirty="0" err="1" smtClean="0"/>
+              <a:rPr lang="it-IT" b="1" dirty="0" err="1"/>
               <a:t>CharactaCollider</a:t>
             </a:r>
             <a:endParaRPr lang="it-IT" b="1" dirty="0"/>
+          </a:p>
+        </p:txBody>
+      </p:sp>
+      <p:sp>
+        <p:nvSpPr>
+          <p:cNvPr id="7" name="CasellaDiTesto 6"/>
+          <p:cNvSpPr txBox="1"/>
+          <p:nvPr/>
+        </p:nvSpPr>
+        <p:spPr>
+          <a:xfrm>
+            <a:off x="5640946" y="1983346"/>
+            <a:ext cx="5318975" cy="2308324"/>
+          </a:xfrm>
+          <a:prstGeom prst="rect">
+            <a:avLst/>
+          </a:prstGeom>
+          <a:noFill/>
+        </p:spPr>
+        <p:txBody>
+          <a:bodyPr wrap="square" rtlCol="0">
+            <a:spAutoFit/>
+          </a:bodyPr>
+          <a:lstStyle/>
+          <a:p>
+            <a:pPr marL="285750" indent="-285750">
+              <a:buFont typeface="Arial" panose="020B0604020202020204" pitchFamily="34" charset="0"/>
+              <a:buChar char="•"/>
+            </a:pPr>
+            <a:r>
+              <a:rPr lang="it-IT" sz="2400" dirty="0" err="1"/>
+              <a:t>Requires</a:t>
+            </a:r>
+            <a:r>
+              <a:rPr lang="it-IT" sz="2400" dirty="0"/>
+              <a:t> an </a:t>
+            </a:r>
+            <a:r>
+              <a:rPr lang="it-IT" sz="2400" dirty="0" err="1"/>
+              <a:t>Unity’s</a:t>
+            </a:r>
+            <a:r>
+              <a:rPr lang="it-IT" sz="2400" dirty="0"/>
+              <a:t> BoxCollider2D:</a:t>
+            </a:r>
+            <a:br>
+              <a:rPr lang="it-IT" sz="2400" dirty="0"/>
+            </a:br>
+            <a:r>
+              <a:rPr lang="en-US" sz="2400" dirty="0"/>
+              <a:t>it doesn't break the environment standard physics system</a:t>
+            </a:r>
+          </a:p>
+          <a:p>
+            <a:pPr marL="285750" indent="-285750">
+              <a:buFont typeface="Arial" panose="020B0604020202020204" pitchFamily="34" charset="0"/>
+              <a:buChar char="•"/>
+            </a:pPr>
+            <a:r>
+              <a:rPr lang="it-IT" sz="2400" dirty="0" err="1"/>
+              <a:t>Handles</a:t>
+            </a:r>
+            <a:r>
+              <a:rPr lang="it-IT" sz="2400" dirty="0"/>
+              <a:t> the </a:t>
+            </a:r>
+            <a:r>
+              <a:rPr lang="it-IT" sz="2400" dirty="0" err="1"/>
+              <a:t>collision</a:t>
+            </a:r>
+            <a:r>
+              <a:rPr lang="it-IT" sz="2400" dirty="0"/>
+              <a:t> </a:t>
+            </a:r>
+            <a:r>
+              <a:rPr lang="it-IT" sz="2400" dirty="0" err="1"/>
+              <a:t>detection</a:t>
+            </a:r>
+            <a:endParaRPr lang="it-IT" sz="2400" dirty="0"/>
+          </a:p>
+          <a:p>
+            <a:pPr marL="285750" indent="-285750">
+              <a:buFont typeface="Arial" panose="020B0604020202020204" pitchFamily="34" charset="0"/>
+              <a:buChar char="•"/>
+            </a:pPr>
+            <a:r>
+              <a:rPr lang="it-IT" sz="2400" dirty="0" err="1"/>
+              <a:t>Predicts</a:t>
+            </a:r>
+            <a:r>
+              <a:rPr lang="it-IT" sz="2400" dirty="0"/>
+              <a:t> the </a:t>
+            </a:r>
+            <a:r>
+              <a:rPr lang="it-IT" sz="2400" dirty="0" err="1"/>
+              <a:t>collision</a:t>
+            </a:r>
+            <a:r>
+              <a:rPr lang="it-IT" sz="2400" dirty="0"/>
+              <a:t> </a:t>
+            </a:r>
+            <a:r>
+              <a:rPr lang="it-IT" sz="2400" dirty="0" err="1"/>
+              <a:t>based</a:t>
+            </a:r>
+            <a:r>
+              <a:rPr lang="it-IT" sz="2400" dirty="0"/>
+              <a:t> on the </a:t>
+            </a:r>
+            <a:r>
+              <a:rPr lang="it-IT" sz="2400" dirty="0" err="1"/>
+              <a:t>movement</a:t>
+            </a:r>
+            <a:endParaRPr lang="it-IT" sz="2400" dirty="0"/>
           </a:p>
         </p:txBody>
       </p:sp>
       <p:pic>
         <p:nvPicPr>
-          <p:cNvPr id="4" name="Segnaposto contenuto 3"/>
+          <p:cNvPr id="6" name="Segnaposto contenuto 5">
+            <a:extLst>
+              <a:ext uri="{FF2B5EF4-FFF2-40B4-BE49-F238E27FC236}">
+                <a16:creationId xmlns:a16="http://schemas.microsoft.com/office/drawing/2014/main" id="{BF0DE35B-2448-45DE-A9E9-FB279C27BC1B}"/>
+              </a:ext>
+            </a:extLst>
+          </p:cNvPr>
           <p:cNvPicPr>
             <a:picLocks noGrp="1" noChangeAspect="1"/>
           </p:cNvPicPr>
@@ -3290,125 +3394,11 @@
         </p:blipFill>
         <p:spPr>
           <a:xfrm>
-            <a:off x="1263739" y="1870993"/>
-            <a:ext cx="3862051" cy="4030454"/>
+            <a:off x="2188917" y="1800466"/>
+            <a:ext cx="2003255" cy="3992302"/>
           </a:xfrm>
         </p:spPr>
       </p:pic>
-      <p:sp>
-        <p:nvSpPr>
-          <p:cNvPr id="7" name="CasellaDiTesto 6"/>
-          <p:cNvSpPr txBox="1"/>
-          <p:nvPr/>
-        </p:nvSpPr>
-        <p:spPr>
-          <a:xfrm>
-            <a:off x="5640946" y="1983346"/>
-            <a:ext cx="5318975" cy="2308324"/>
-          </a:xfrm>
-          <a:prstGeom prst="rect">
-            <a:avLst/>
-          </a:prstGeom>
-          <a:noFill/>
-        </p:spPr>
-        <p:txBody>
-          <a:bodyPr wrap="square" rtlCol="0">
-            <a:spAutoFit/>
-          </a:bodyPr>
-          <a:lstStyle/>
-          <a:p>
-            <a:pPr marL="285750" indent="-285750">
-              <a:buFont typeface="Arial" panose="020B0604020202020204" pitchFamily="34" charset="0"/>
-              <a:buChar char="•"/>
-            </a:pPr>
-            <a:r>
-              <a:rPr lang="it-IT" sz="2400" dirty="0" err="1" smtClean="0"/>
-              <a:t>Requires</a:t>
-            </a:r>
-            <a:r>
-              <a:rPr lang="it-IT" sz="2400" dirty="0" smtClean="0"/>
-              <a:t> an </a:t>
-            </a:r>
-            <a:r>
-              <a:rPr lang="it-IT" sz="2400" dirty="0" err="1" smtClean="0"/>
-              <a:t>Unity’s</a:t>
-            </a:r>
-            <a:r>
-              <a:rPr lang="it-IT" sz="2400" dirty="0" smtClean="0"/>
-              <a:t> BoxCollider2D:</a:t>
-            </a:r>
-            <a:br>
-              <a:rPr lang="it-IT" sz="2400" dirty="0" smtClean="0"/>
-            </a:br>
-            <a:r>
-              <a:rPr lang="en-US" sz="2400" dirty="0" smtClean="0"/>
-              <a:t>it doesn't break the environment standard physics system</a:t>
-            </a:r>
-          </a:p>
-          <a:p>
-            <a:pPr marL="285750" indent="-285750">
-              <a:buFont typeface="Arial" panose="020B0604020202020204" pitchFamily="34" charset="0"/>
-              <a:buChar char="•"/>
-            </a:pPr>
-            <a:r>
-              <a:rPr lang="it-IT" sz="2400" dirty="0" err="1" smtClean="0"/>
-              <a:t>Handles</a:t>
-            </a:r>
-            <a:r>
-              <a:rPr lang="it-IT" sz="2400" dirty="0" smtClean="0"/>
-              <a:t> the </a:t>
-            </a:r>
-            <a:r>
-              <a:rPr lang="it-IT" sz="2400" dirty="0" err="1" smtClean="0"/>
-              <a:t>collision</a:t>
-            </a:r>
-            <a:r>
-              <a:rPr lang="it-IT" sz="2400" dirty="0" smtClean="0"/>
-              <a:t> </a:t>
-            </a:r>
-            <a:r>
-              <a:rPr lang="it-IT" sz="2400" dirty="0" err="1" smtClean="0"/>
-              <a:t>detection</a:t>
-            </a:r>
-            <a:endParaRPr lang="it-IT" sz="2400" dirty="0"/>
-          </a:p>
-          <a:p>
-            <a:pPr marL="285750" indent="-285750">
-              <a:buFont typeface="Arial" panose="020B0604020202020204" pitchFamily="34" charset="0"/>
-              <a:buChar char="•"/>
-            </a:pPr>
-            <a:r>
-              <a:rPr lang="it-IT" sz="2400" dirty="0" err="1" smtClean="0"/>
-              <a:t>Predicts</a:t>
-            </a:r>
-            <a:r>
-              <a:rPr lang="it-IT" sz="2400" dirty="0" smtClean="0"/>
-              <a:t> the </a:t>
-            </a:r>
-            <a:r>
-              <a:rPr lang="it-IT" sz="2400" dirty="0" err="1" smtClean="0"/>
-              <a:t>collision</a:t>
-            </a:r>
-            <a:r>
-              <a:rPr lang="it-IT" sz="2400" dirty="0" smtClean="0"/>
-              <a:t> </a:t>
-            </a:r>
-            <a:r>
-              <a:rPr lang="it-IT" sz="2400" dirty="0" err="1" smtClean="0"/>
-              <a:t>based</a:t>
-            </a:r>
-            <a:r>
-              <a:rPr lang="it-IT" sz="2400" dirty="0" smtClean="0"/>
-              <a:t> on the </a:t>
-            </a:r>
-            <a:r>
-              <a:rPr lang="it-IT" sz="2400" dirty="0" err="1" smtClean="0"/>
-              <a:t>movement</a:t>
-            </a:r>
-            <a:endParaRPr lang="it-IT" sz="2400" dirty="0" smtClean="0"/>
-          </a:p>
-        </p:txBody>
-      </p:sp>
     </p:spTree>
     <p:extLst>
       <p:ext uri="{BB962C8B-B14F-4D97-AF65-F5344CB8AC3E}">
@@ -3455,8 +3445,8 @@
           <a:lstStyle/>
           <a:p>
             <a:r>
-              <a:rPr lang="it-IT" b="1" dirty="0" err="1" smtClean="0"/>
-              <a:t>CharactaController</a:t>
+              <a:rPr lang="it-IT" b="1" dirty="0" err="1"/>
+              <a:t>CharactaBehaviour</a:t>
             </a:r>
             <a:endParaRPr lang="it-IT" b="1" dirty="0"/>
           </a:p>
@@ -3486,8 +3476,8 @@
         </p:blipFill>
         <p:spPr>
           <a:xfrm>
-            <a:off x="838200" y="1807861"/>
-            <a:ext cx="6272775" cy="4283846"/>
+            <a:off x="838200" y="2102323"/>
+            <a:ext cx="6272775" cy="3694922"/>
           </a:xfrm>
         </p:spPr>
       </p:pic>
@@ -3500,7 +3490,7 @@
         <p:spPr>
           <a:xfrm>
             <a:off x="7405351" y="1690688"/>
-            <a:ext cx="4623517" cy="4031873"/>
+            <a:ext cx="4623517" cy="4401205"/>
           </a:xfrm>
           <a:prstGeom prst="rect">
             <a:avLst/>
@@ -3518,26 +3508,53 @@
               <a:buChar char="•"/>
             </a:pPr>
             <a:r>
-              <a:rPr lang="it-IT" sz="2400" dirty="0" err="1" smtClean="0"/>
-              <a:t>Manages</a:t>
-            </a:r>
-            <a:r>
-              <a:rPr lang="it-IT" sz="2400" dirty="0" smtClean="0"/>
-              <a:t>  the </a:t>
-            </a:r>
-            <a:r>
-              <a:rPr lang="it-IT" sz="2400" dirty="0" err="1" smtClean="0"/>
-              <a:t>sprite</a:t>
-            </a:r>
-            <a:r>
-              <a:rPr lang="it-IT" sz="2400" dirty="0" smtClean="0"/>
+              <a:rPr lang="it-IT" sz="2400" dirty="0" err="1"/>
+              <a:t>It’s</a:t>
+            </a:r>
+            <a:r>
+              <a:rPr lang="it-IT" sz="2400" dirty="0"/>
+              <a:t> the base class from </a:t>
+            </a:r>
+            <a:r>
+              <a:rPr lang="it-IT" sz="2400" dirty="0" err="1"/>
+              <a:t>which</a:t>
+            </a:r>
+            <a:r>
+              <a:rPr lang="it-IT" sz="2400" dirty="0"/>
               <a:t> </a:t>
             </a:r>
             <a:r>
-              <a:rPr lang="it-IT" sz="2400" dirty="0" err="1" smtClean="0"/>
-              <a:t>flipping</a:t>
-            </a:r>
-            <a:endParaRPr lang="it-IT" sz="2400" dirty="0" smtClean="0"/>
+              <a:rPr lang="it-IT" sz="2400" dirty="0" err="1"/>
+              <a:t>define</a:t>
+            </a:r>
+            <a:r>
+              <a:rPr lang="it-IT" sz="2400" dirty="0"/>
+              <a:t> 2D </a:t>
+            </a:r>
+            <a:r>
+              <a:rPr lang="it-IT" sz="2400" dirty="0" err="1"/>
+              <a:t>world’s</a:t>
+            </a:r>
+            <a:r>
+              <a:rPr lang="it-IT" sz="2400" dirty="0"/>
+              <a:t> </a:t>
+            </a:r>
+            <a:r>
+              <a:rPr lang="it-IT" sz="2400" dirty="0" err="1"/>
+              <a:t>characters</a:t>
+            </a:r>
+            <a:r>
+              <a:rPr lang="it-IT" sz="2400" dirty="0"/>
+              <a:t> and </a:t>
+            </a:r>
+            <a:r>
+              <a:rPr lang="it-IT" sz="2400" dirty="0" err="1"/>
+              <a:t>objects</a:t>
+            </a:r>
+            <a:r>
+              <a:rPr lang="it-IT" sz="2400" dirty="0"/>
+              <a:t>.</a:t>
+            </a:r>
           </a:p>
           <a:p>
             <a:pPr marL="285750" indent="-285750">
@@ -3545,142 +3562,116 @@
               <a:buChar char="•"/>
             </a:pPr>
             <a:r>
-              <a:rPr lang="it-IT" sz="2400" dirty="0" err="1" smtClean="0"/>
-              <a:t>Manages</a:t>
-            </a:r>
-            <a:r>
-              <a:rPr lang="it-IT" sz="2400" dirty="0" smtClean="0"/>
+              <a:rPr lang="it-IT" sz="2400" dirty="0" err="1"/>
+              <a:t>Requires</a:t>
+            </a:r>
+            <a:r>
+              <a:rPr lang="it-IT" sz="2400" dirty="0"/>
+              <a:t> an </a:t>
+            </a:r>
+            <a:r>
+              <a:rPr lang="it-IT" sz="2400" dirty="0" err="1"/>
+              <a:t>Unity</a:t>
+            </a:r>
+            <a:r>
+              <a:rPr lang="it-IT" sz="2400" dirty="0"/>
+              <a:t> RigidBody2D:</a:t>
+            </a:r>
+            <a:br>
+              <a:rPr lang="it-IT" sz="2400" dirty="0"/>
+            </a:br>
+            <a:r>
+              <a:rPr lang="it-IT" sz="2400" dirty="0" err="1"/>
+              <a:t>it</a:t>
+            </a:r>
+            <a:r>
+              <a:rPr lang="it-IT" sz="2400" dirty="0"/>
+              <a:t> </a:t>
+            </a:r>
+            <a:r>
+              <a:rPr lang="it-IT" sz="2400" dirty="0" err="1"/>
+              <a:t>is</a:t>
+            </a:r>
+            <a:r>
+              <a:rPr lang="it-IT" sz="2400" dirty="0"/>
+              <a:t> </a:t>
+            </a:r>
+            <a:r>
+              <a:rPr lang="it-IT" sz="2400" dirty="0" err="1"/>
+              <a:t>automatically</a:t>
+            </a:r>
+            <a:r>
+              <a:rPr lang="it-IT" sz="2400" dirty="0"/>
+              <a:t> set to </a:t>
+            </a:r>
+            <a:r>
+              <a:rPr lang="it-IT" sz="2400" dirty="0" err="1"/>
+              <a:t>Kinematic</a:t>
+            </a:r>
+            <a:r>
+              <a:rPr lang="it-IT" sz="2400" dirty="0"/>
+              <a:t> body </a:t>
+            </a:r>
+            <a:r>
+              <a:rPr lang="it-IT" sz="2400" dirty="0" err="1"/>
+              <a:t>type</a:t>
+            </a:r>
+            <a:r>
+              <a:rPr lang="it-IT" sz="2400" dirty="0"/>
+              <a:t>, </a:t>
+            </a:r>
+            <a:r>
+              <a:rPr lang="it-IT" sz="2400" dirty="0" err="1"/>
+              <a:t>which</a:t>
+            </a:r>
+            <a:r>
+              <a:rPr lang="it-IT" sz="2400" dirty="0"/>
+              <a:t> </a:t>
+            </a:r>
+            <a:r>
+              <a:rPr lang="it-IT" sz="2400" dirty="0" err="1"/>
+              <a:t>means</a:t>
+            </a:r>
+            <a:r>
+              <a:rPr lang="it-IT" sz="2400" dirty="0"/>
+              <a:t> </a:t>
+            </a:r>
+            <a:r>
+              <a:rPr lang="it-IT" sz="2400" dirty="0" err="1"/>
+              <a:t>that</a:t>
+            </a:r>
+            <a:r>
+              <a:rPr lang="it-IT" sz="2400" dirty="0"/>
               <a:t> the </a:t>
             </a:r>
             <a:r>
-              <a:rPr lang="it-IT" sz="2400" dirty="0" err="1" smtClean="0"/>
-              <a:t>user</a:t>
-            </a:r>
-            <a:r>
-              <a:rPr lang="it-IT" sz="2400" dirty="0" smtClean="0"/>
-              <a:t> input</a:t>
-            </a:r>
+              <a:rPr lang="it-IT" sz="2400" dirty="0" err="1"/>
+              <a:t>rigid</a:t>
+            </a:r>
+            <a:r>
+              <a:rPr lang="it-IT" sz="2400" dirty="0"/>
+              <a:t> body </a:t>
+            </a:r>
+            <a:r>
+              <a:rPr lang="it-IT" sz="2400" dirty="0" err="1"/>
+              <a:t>does</a:t>
+            </a:r>
+            <a:r>
+              <a:rPr lang="it-IT" sz="2400" dirty="0"/>
+              <a:t> </a:t>
+            </a:r>
+            <a:r>
+              <a:rPr lang="en-US" sz="2400" dirty="0"/>
+              <a:t>still move via its velocity, but the velocity is not affected by forces or gravity.</a:t>
+            </a:r>
+            <a:endParaRPr lang="it-IT" sz="2400" dirty="0"/>
           </a:p>
           <a:p>
             <a:pPr marL="285750" indent="-285750">
               <a:buFont typeface="Arial" panose="020B0604020202020204" pitchFamily="34" charset="0"/>
               <a:buChar char="•"/>
             </a:pPr>
-            <a:r>
-              <a:rPr lang="it-IT" sz="2400" dirty="0" err="1" smtClean="0"/>
-              <a:t>Requires</a:t>
-            </a:r>
-            <a:r>
-              <a:rPr lang="it-IT" sz="2400" dirty="0" smtClean="0"/>
-              <a:t> an </a:t>
-            </a:r>
-            <a:r>
-              <a:rPr lang="it-IT" sz="2400" dirty="0" err="1" smtClean="0"/>
-              <a:t>Unity’s</a:t>
-            </a:r>
-            <a:r>
-              <a:rPr lang="it-IT" sz="2400" dirty="0" smtClean="0"/>
-              <a:t> RigidBody2D:</a:t>
-            </a:r>
-            <a:br>
-              <a:rPr lang="it-IT" sz="2400" dirty="0" smtClean="0"/>
-            </a:br>
-            <a:r>
-              <a:rPr lang="it-IT" sz="2400" dirty="0" err="1" smtClean="0"/>
-              <a:t>it</a:t>
-            </a:r>
-            <a:r>
-              <a:rPr lang="it-IT" sz="2400" dirty="0" smtClean="0"/>
-              <a:t> </a:t>
-            </a:r>
-            <a:r>
-              <a:rPr lang="it-IT" sz="2400" dirty="0" err="1" smtClean="0"/>
-              <a:t>is</a:t>
-            </a:r>
-            <a:r>
-              <a:rPr lang="it-IT" sz="2400" dirty="0" smtClean="0"/>
-              <a:t> </a:t>
-            </a:r>
-            <a:r>
-              <a:rPr lang="it-IT" sz="2400" dirty="0" err="1" smtClean="0"/>
-              <a:t>automatically</a:t>
-            </a:r>
-            <a:r>
-              <a:rPr lang="it-IT" sz="2400" dirty="0" smtClean="0"/>
-              <a:t> set to </a:t>
-            </a:r>
-            <a:r>
-              <a:rPr lang="it-IT" sz="2400" dirty="0" err="1" smtClean="0"/>
-              <a:t>Kinematic</a:t>
-            </a:r>
-            <a:r>
-              <a:rPr lang="it-IT" sz="2400" dirty="0" smtClean="0"/>
-              <a:t> body </a:t>
-            </a:r>
-            <a:r>
-              <a:rPr lang="it-IT" sz="2400" dirty="0" err="1" smtClean="0"/>
-              <a:t>type</a:t>
-            </a:r>
-            <a:r>
-              <a:rPr lang="it-IT" sz="2400" dirty="0" smtClean="0"/>
-              <a:t>, </a:t>
-            </a:r>
-            <a:r>
-              <a:rPr lang="it-IT" sz="2400" dirty="0" err="1" smtClean="0"/>
-              <a:t>which</a:t>
-            </a:r>
-            <a:r>
-              <a:rPr lang="it-IT" sz="2400" dirty="0" smtClean="0"/>
-              <a:t> </a:t>
-            </a:r>
-            <a:r>
-              <a:rPr lang="it-IT" sz="2400" dirty="0" err="1" smtClean="0"/>
-              <a:t>means</a:t>
-            </a:r>
-            <a:r>
-              <a:rPr lang="it-IT" sz="2400" dirty="0" smtClean="0"/>
-              <a:t> </a:t>
-            </a:r>
-            <a:r>
-              <a:rPr lang="it-IT" sz="2400" dirty="0" err="1" smtClean="0"/>
-              <a:t>that</a:t>
-            </a:r>
-            <a:r>
-              <a:rPr lang="it-IT" sz="2400" dirty="0" smtClean="0"/>
-              <a:t> the </a:t>
-            </a:r>
-            <a:r>
-              <a:rPr lang="it-IT" sz="2400" dirty="0" err="1" smtClean="0"/>
-              <a:t>rigid</a:t>
-            </a:r>
-            <a:r>
-              <a:rPr lang="it-IT" sz="2400" dirty="0" smtClean="0"/>
-              <a:t> body </a:t>
-            </a:r>
-            <a:r>
-              <a:rPr lang="it-IT" sz="2400" dirty="0" err="1" smtClean="0"/>
-              <a:t>does</a:t>
-            </a:r>
-            <a:r>
-              <a:rPr lang="it-IT" sz="2400" dirty="0" smtClean="0"/>
-              <a:t> </a:t>
-            </a:r>
-            <a:r>
-              <a:rPr lang="en-US" sz="2400" dirty="0"/>
-              <a:t>still move via its velocity, but the velocity is not affected by forces or </a:t>
-            </a:r>
-            <a:r>
-              <a:rPr lang="en-US" sz="2400" dirty="0" smtClean="0"/>
-              <a:t>gravity.</a:t>
-            </a:r>
-            <a:endParaRPr lang="it-IT" sz="2400" dirty="0" smtClean="0"/>
-          </a:p>
-          <a:p>
-            <a:pPr marL="285750" indent="-285750">
-              <a:buFont typeface="Arial" panose="020B0604020202020204" pitchFamily="34" charset="0"/>
-              <a:buChar char="•"/>
-            </a:pPr>
-            <a:endParaRPr lang="it-IT" sz="2400" dirty="0" smtClean="0"/>
+            <a:endParaRPr lang="it-IT" sz="2400" dirty="0"/>
           </a:p>
           <a:p>
             <a:pPr marL="285750" indent="-285750">
@@ -3745,8 +3736,8 @@
         </p:blipFill>
         <p:spPr>
           <a:xfrm>
-            <a:off x="4005330" y="660375"/>
-            <a:ext cx="7348470" cy="5728309"/>
+            <a:off x="4005330" y="1190226"/>
+            <a:ext cx="7348470" cy="4668605"/>
           </a:xfrm>
         </p:spPr>
       </p:pic>
@@ -3771,14 +3762,13 @@
           <a:lstStyle/>
           <a:p>
             <a:r>
-              <a:rPr lang="it-IT" b="1" dirty="0" err="1" smtClean="0"/>
+              <a:rPr lang="it-IT" b="1" dirty="0" err="1"/>
               <a:t>Capability</a:t>
             </a:r>
             <a:r>
-              <a:rPr lang="it-IT" b="1" dirty="0" smtClean="0"/>
+              <a:rPr lang="it-IT" b="1" dirty="0"/>
               <a:t> System</a:t>
             </a:r>
-            <a:endParaRPr lang="it-IT" b="1" dirty="0"/>
           </a:p>
         </p:txBody>
       </p:sp>
@@ -3809,34 +3799,34 @@
               <a:buChar char="•"/>
             </a:pPr>
             <a:r>
-              <a:rPr lang="it-IT" sz="2400" dirty="0" err="1" smtClean="0"/>
+              <a:rPr lang="it-IT" sz="2400" dirty="0" err="1"/>
               <a:t>Define</a:t>
             </a:r>
             <a:r>
-              <a:rPr lang="it-IT" sz="2400" dirty="0" smtClean="0"/>
+              <a:rPr lang="it-IT" sz="2400" dirty="0"/>
               <a:t> </a:t>
             </a:r>
             <a:r>
-              <a:rPr lang="it-IT" sz="2400" dirty="0" err="1" smtClean="0"/>
+              <a:rPr lang="it-IT" sz="2400" dirty="0" err="1"/>
               <a:t>different</a:t>
             </a:r>
             <a:r>
-              <a:rPr lang="it-IT" sz="2400" dirty="0" smtClean="0"/>
+              <a:rPr lang="it-IT" sz="2400" dirty="0"/>
               <a:t> </a:t>
             </a:r>
             <a:r>
-              <a:rPr lang="it-IT" sz="2400" dirty="0" err="1" smtClean="0"/>
+              <a:rPr lang="it-IT" sz="2400" dirty="0" err="1"/>
               <a:t>types</a:t>
             </a:r>
             <a:r>
-              <a:rPr lang="it-IT" sz="2400" dirty="0" smtClean="0"/>
+              <a:rPr lang="it-IT" sz="2400" dirty="0"/>
               <a:t> of </a:t>
             </a:r>
             <a:r>
-              <a:rPr lang="it-IT" sz="2400" dirty="0" err="1" smtClean="0"/>
+              <a:rPr lang="it-IT" sz="2400" dirty="0" err="1"/>
               <a:t>capabilities</a:t>
             </a:r>
-            <a:endParaRPr lang="it-IT" sz="2400" dirty="0" smtClean="0"/>
+            <a:endParaRPr lang="it-IT" sz="2400" dirty="0"/>
           </a:p>
           <a:p>
             <a:pPr marL="342900" indent="-342900">
@@ -3844,75 +3834,75 @@
               <a:buChar char="•"/>
             </a:pPr>
             <a:r>
-              <a:rPr lang="it-IT" sz="2400" dirty="0" err="1" smtClean="0"/>
+              <a:rPr lang="it-IT" sz="2400" dirty="0" err="1"/>
               <a:t>Simply</a:t>
             </a:r>
             <a:r>
-              <a:rPr lang="it-IT" sz="2400" dirty="0" smtClean="0"/>
+              <a:rPr lang="it-IT" sz="2400" dirty="0"/>
               <a:t> </a:t>
             </a:r>
             <a:r>
-              <a:rPr lang="it-IT" sz="2400" dirty="0" err="1" smtClean="0"/>
+              <a:rPr lang="it-IT" sz="2400" dirty="0" err="1"/>
               <a:t>add</a:t>
             </a:r>
             <a:r>
-              <a:rPr lang="it-IT" sz="2400" dirty="0" smtClean="0"/>
+              <a:rPr lang="it-IT" sz="2400" dirty="0"/>
               <a:t> </a:t>
             </a:r>
             <a:r>
-              <a:rPr lang="it-IT" sz="2400" dirty="0" err="1" smtClean="0"/>
+              <a:rPr lang="it-IT" sz="2400" dirty="0" err="1"/>
               <a:t>these</a:t>
             </a:r>
             <a:r>
-              <a:rPr lang="it-IT" sz="2400" dirty="0" smtClean="0"/>
+              <a:rPr lang="it-IT" sz="2400" dirty="0"/>
               <a:t> </a:t>
             </a:r>
             <a:r>
-              <a:rPr lang="it-IT" sz="2400" dirty="0" err="1" smtClean="0"/>
+              <a:rPr lang="it-IT" sz="2400" dirty="0" err="1"/>
               <a:t>components</a:t>
             </a:r>
             <a:r>
-              <a:rPr lang="it-IT" sz="2400" dirty="0" smtClean="0"/>
+              <a:rPr lang="it-IT" sz="2400" dirty="0"/>
               <a:t> to the </a:t>
             </a:r>
             <a:r>
-              <a:rPr lang="it-IT" sz="2400" dirty="0" err="1" smtClean="0"/>
+              <a:rPr lang="it-IT" sz="2400" dirty="0" err="1"/>
               <a:t>CharactaController</a:t>
             </a:r>
             <a:r>
-              <a:rPr lang="it-IT" sz="2400" dirty="0" smtClean="0"/>
+              <a:rPr lang="it-IT" sz="2400" dirty="0"/>
               <a:t> to </a:t>
             </a:r>
             <a:r>
-              <a:rPr lang="it-IT" sz="2400" dirty="0" err="1" smtClean="0"/>
+              <a:rPr lang="it-IT" sz="2400" dirty="0" err="1"/>
               <a:t>enable</a:t>
             </a:r>
             <a:r>
-              <a:rPr lang="it-IT" sz="2400" dirty="0" smtClean="0"/>
+              <a:rPr lang="it-IT" sz="2400" dirty="0"/>
               <a:t> </a:t>
             </a:r>
             <a:r>
-              <a:rPr lang="it-IT" sz="2400" dirty="0" err="1" smtClean="0"/>
+              <a:rPr lang="it-IT" sz="2400" dirty="0" err="1"/>
               <a:t>jumps</a:t>
             </a:r>
             <a:r>
-              <a:rPr lang="it-IT" sz="2400" dirty="0" smtClean="0"/>
+              <a:rPr lang="it-IT" sz="2400" dirty="0"/>
               <a:t>, </a:t>
             </a:r>
             <a:r>
-              <a:rPr lang="it-IT" sz="2400" dirty="0" err="1" smtClean="0"/>
+              <a:rPr lang="it-IT" sz="2400" dirty="0" err="1"/>
               <a:t>wall</a:t>
             </a:r>
             <a:r>
-              <a:rPr lang="it-IT" sz="2400" dirty="0" smtClean="0"/>
+              <a:rPr lang="it-IT" sz="2400" dirty="0"/>
               <a:t> </a:t>
             </a:r>
             <a:r>
-              <a:rPr lang="it-IT" sz="2400" dirty="0" err="1" smtClean="0"/>
+              <a:rPr lang="it-IT" sz="2400" dirty="0" err="1"/>
               <a:t>jumps</a:t>
             </a:r>
             <a:r>
-              <a:rPr lang="it-IT" sz="2400" dirty="0" smtClean="0"/>
+              <a:rPr lang="it-IT" sz="2400" dirty="0"/>
               <a:t> and so on.</a:t>
             </a:r>
           </a:p>
@@ -3922,50 +3912,49 @@
               <a:buChar char="•"/>
             </a:pPr>
             <a:r>
-              <a:rPr lang="it-IT" sz="2400" dirty="0" smtClean="0"/>
+              <a:rPr lang="it-IT" sz="2400" dirty="0"/>
               <a:t>Create </a:t>
             </a:r>
             <a:r>
-              <a:rPr lang="it-IT" sz="2400" dirty="0" err="1" smtClean="0"/>
+              <a:rPr lang="it-IT" sz="2400" dirty="0" err="1"/>
               <a:t>Characta</a:t>
             </a:r>
             <a:r>
-              <a:rPr lang="it-IT" sz="2400" dirty="0" smtClean="0"/>
+              <a:rPr lang="it-IT" sz="2400" dirty="0"/>
               <a:t> </a:t>
             </a:r>
             <a:r>
-              <a:rPr lang="it-IT" sz="2400" dirty="0" err="1" smtClean="0"/>
+              <a:rPr lang="it-IT" sz="2400" dirty="0" err="1"/>
               <a:t>Capabilities</a:t>
             </a:r>
             <a:r>
-              <a:rPr lang="it-IT" sz="2400" dirty="0" smtClean="0"/>
+              <a:rPr lang="it-IT" sz="2400" dirty="0"/>
               <a:t> by </a:t>
             </a:r>
             <a:r>
-              <a:rPr lang="it-IT" sz="2400" dirty="0" err="1" smtClean="0"/>
+              <a:rPr lang="it-IT" sz="2400" dirty="0" err="1"/>
               <a:t>yourself</a:t>
             </a:r>
             <a:r>
-              <a:rPr lang="it-IT" sz="2400" dirty="0" smtClean="0"/>
+              <a:rPr lang="it-IT" sz="2400" dirty="0"/>
               <a:t>. </a:t>
             </a:r>
             <a:r>
-              <a:rPr lang="it-IT" sz="2400" dirty="0" err="1" smtClean="0"/>
+              <a:rPr lang="it-IT" sz="2400" dirty="0" err="1"/>
               <a:t>Customize</a:t>
             </a:r>
             <a:r>
-              <a:rPr lang="it-IT" sz="2400" dirty="0" smtClean="0"/>
+              <a:rPr lang="it-IT" sz="2400" dirty="0"/>
               <a:t> </a:t>
             </a:r>
             <a:r>
-              <a:rPr lang="it-IT" sz="2400" dirty="0" err="1" smtClean="0"/>
+              <a:rPr lang="it-IT" sz="2400" dirty="0" err="1"/>
               <a:t>your</a:t>
             </a:r>
             <a:r>
-              <a:rPr lang="it-IT" sz="2400" dirty="0" smtClean="0"/>
+              <a:rPr lang="it-IT" sz="2400" dirty="0"/>
               <a:t> package.</a:t>
             </a:r>
-            <a:endParaRPr lang="it-IT" sz="2400" dirty="0"/>
           </a:p>
         </p:txBody>
       </p:sp>
@@ -4001,6 +3990,991 @@
       </p:grpSpPr>
       <p:sp>
         <p:nvSpPr>
+          <p:cNvPr id="2" name="Titolo 1">
+            <a:extLst>
+              <a:ext uri="{FF2B5EF4-FFF2-40B4-BE49-F238E27FC236}">
+                <a16:creationId xmlns:a16="http://schemas.microsoft.com/office/drawing/2014/main" id="{DA9F69F7-1977-4F16-85E7-904213B7620F}"/>
+              </a:ext>
+            </a:extLst>
+          </p:cNvPr>
+          <p:cNvSpPr>
+            <a:spLocks noGrp="1"/>
+          </p:cNvSpPr>
+          <p:nvPr>
+            <p:ph type="title"/>
+          </p:nvPr>
+        </p:nvSpPr>
+        <p:spPr>
+          <a:xfrm>
+            <a:off x="838200" y="365125"/>
+            <a:ext cx="10515600" cy="1325563"/>
+          </a:xfrm>
+        </p:spPr>
+        <p:txBody>
+          <a:bodyPr/>
+          <a:lstStyle/>
+          <a:p>
+            <a:r>
+              <a:rPr lang="it-IT" b="1" dirty="0" err="1"/>
+              <a:t>Collision</a:t>
+            </a:r>
+            <a:r>
+              <a:rPr lang="it-IT" b="1" dirty="0"/>
+              <a:t> </a:t>
+            </a:r>
+            <a:r>
+              <a:rPr lang="it-IT" b="1" dirty="0" err="1"/>
+              <a:t>Detection</a:t>
+            </a:r>
+            <a:endParaRPr lang="it-IT" b="1" dirty="0"/>
+          </a:p>
+        </p:txBody>
+      </p:sp>
+      <p:pic>
+        <p:nvPicPr>
+          <p:cNvPr id="4" name="Segnaposto contenuto 3">
+            <a:extLst>
+              <a:ext uri="{FF2B5EF4-FFF2-40B4-BE49-F238E27FC236}">
+                <a16:creationId xmlns:a16="http://schemas.microsoft.com/office/drawing/2014/main" id="{772736FC-4F99-4546-B1CC-3FA355ADAC15}"/>
+              </a:ext>
+            </a:extLst>
+          </p:cNvPr>
+          <p:cNvPicPr>
+            <a:picLocks noGrp="1" noChangeAspect="1"/>
+          </p:cNvPicPr>
+          <p:nvPr>
+            <p:ph idx="1"/>
+          </p:nvPr>
+        </p:nvPicPr>
+        <p:blipFill>
+          <a:blip r:embed="rId2"/>
+          <a:stretch>
+            <a:fillRect/>
+          </a:stretch>
+        </p:blipFill>
+        <p:spPr>
+          <a:xfrm>
+            <a:off x="8591550" y="3868555"/>
+            <a:ext cx="2762250" cy="2095500"/>
+          </a:xfrm>
+          <a:prstGeom prst="rect">
+            <a:avLst/>
+          </a:prstGeom>
+        </p:spPr>
+      </p:pic>
+      <p:pic>
+        <p:nvPicPr>
+          <p:cNvPr id="5" name="Immagine 4">
+            <a:extLst>
+              <a:ext uri="{FF2B5EF4-FFF2-40B4-BE49-F238E27FC236}">
+                <a16:creationId xmlns:a16="http://schemas.microsoft.com/office/drawing/2014/main" id="{ABB260BD-0852-4137-BA15-A5A31BD241C8}"/>
+              </a:ext>
+            </a:extLst>
+          </p:cNvPr>
+          <p:cNvPicPr>
+            <a:picLocks noChangeAspect="1"/>
+          </p:cNvPicPr>
+          <p:nvPr/>
+        </p:nvPicPr>
+        <p:blipFill>
+          <a:blip r:embed="rId3"/>
+          <a:stretch>
+            <a:fillRect/>
+          </a:stretch>
+        </p:blipFill>
+        <p:spPr>
+          <a:xfrm>
+            <a:off x="838200" y="1690688"/>
+            <a:ext cx="5314850" cy="1814513"/>
+          </a:xfrm>
+          <a:prstGeom prst="rect">
+            <a:avLst/>
+          </a:prstGeom>
+        </p:spPr>
+      </p:pic>
+      <p:sp>
+        <p:nvSpPr>
+          <p:cNvPr id="9" name="CasellaDiTesto 8">
+            <a:extLst>
+              <a:ext uri="{FF2B5EF4-FFF2-40B4-BE49-F238E27FC236}">
+                <a16:creationId xmlns:a16="http://schemas.microsoft.com/office/drawing/2014/main" id="{6D7911BE-D22C-445F-ACD2-9122B08CFE8F}"/>
+              </a:ext>
+            </a:extLst>
+          </p:cNvPr>
+          <p:cNvSpPr txBox="1"/>
+          <p:nvPr/>
+        </p:nvSpPr>
+        <p:spPr>
+          <a:xfrm>
+            <a:off x="6639339" y="1690688"/>
+            <a:ext cx="4714461" cy="1754326"/>
+          </a:xfrm>
+          <a:prstGeom prst="rect">
+            <a:avLst/>
+          </a:prstGeom>
+          <a:noFill/>
+        </p:spPr>
+        <p:txBody>
+          <a:bodyPr wrap="square" rtlCol="0">
+            <a:spAutoFit/>
+          </a:bodyPr>
+          <a:lstStyle/>
+          <a:p>
+            <a:r>
+              <a:rPr lang="it-IT" dirty="0"/>
+              <a:t>The </a:t>
+            </a:r>
+            <a:r>
+              <a:rPr lang="it-IT" dirty="0" err="1"/>
+              <a:t>Characta</a:t>
+            </a:r>
+            <a:r>
+              <a:rPr lang="it-IT" dirty="0"/>
+              <a:t> </a:t>
+            </a:r>
+            <a:r>
+              <a:rPr lang="it-IT" dirty="0" err="1"/>
+              <a:t>collision</a:t>
+            </a:r>
+            <a:r>
+              <a:rPr lang="it-IT" dirty="0"/>
+              <a:t> </a:t>
+            </a:r>
+            <a:r>
+              <a:rPr lang="it-IT" dirty="0" err="1"/>
+              <a:t>detection</a:t>
+            </a:r>
+            <a:r>
+              <a:rPr lang="it-IT" dirty="0"/>
+              <a:t> </a:t>
+            </a:r>
+            <a:r>
+              <a:rPr lang="it-IT" dirty="0" err="1"/>
+              <a:t>is</a:t>
+            </a:r>
+            <a:r>
+              <a:rPr lang="it-IT" dirty="0"/>
+              <a:t> </a:t>
+            </a:r>
+            <a:r>
+              <a:rPr lang="it-IT" dirty="0" err="1"/>
+              <a:t>based</a:t>
+            </a:r>
+            <a:r>
+              <a:rPr lang="it-IT" dirty="0"/>
+              <a:t> on </a:t>
+            </a:r>
+            <a:r>
+              <a:rPr lang="it-IT" dirty="0" err="1"/>
+              <a:t>raycasts</a:t>
+            </a:r>
+            <a:r>
+              <a:rPr lang="it-IT" dirty="0"/>
+              <a:t>. </a:t>
+            </a:r>
+            <a:r>
+              <a:rPr lang="it-IT" dirty="0" err="1"/>
+              <a:t>Is</a:t>
+            </a:r>
+            <a:r>
+              <a:rPr lang="it-IT" dirty="0"/>
+              <a:t> </a:t>
+            </a:r>
+            <a:r>
+              <a:rPr lang="it-IT" dirty="0" err="1"/>
+              <a:t>is</a:t>
+            </a:r>
+            <a:r>
+              <a:rPr lang="it-IT" dirty="0"/>
+              <a:t> </a:t>
+            </a:r>
+            <a:r>
+              <a:rPr lang="it-IT" dirty="0" err="1"/>
+              <a:t>possible</a:t>
+            </a:r>
+            <a:r>
+              <a:rPr lang="it-IT" dirty="0"/>
+              <a:t> to set the </a:t>
+            </a:r>
+            <a:r>
+              <a:rPr lang="it-IT" dirty="0" err="1"/>
+              <a:t>number</a:t>
+            </a:r>
+            <a:r>
+              <a:rPr lang="it-IT" dirty="0"/>
+              <a:t> of </a:t>
+            </a:r>
+            <a:r>
+              <a:rPr lang="it-IT" dirty="0" err="1"/>
+              <a:t>horizontal</a:t>
+            </a:r>
+            <a:r>
+              <a:rPr lang="it-IT" dirty="0"/>
+              <a:t> and </a:t>
+            </a:r>
+            <a:r>
+              <a:rPr lang="it-IT" dirty="0" err="1"/>
+              <a:t>vertical</a:t>
+            </a:r>
+            <a:r>
+              <a:rPr lang="it-IT" dirty="0"/>
+              <a:t> </a:t>
+            </a:r>
+            <a:r>
+              <a:rPr lang="it-IT" dirty="0" err="1"/>
+              <a:t>rays</a:t>
+            </a:r>
+            <a:r>
+              <a:rPr lang="it-IT" dirty="0"/>
+              <a:t> (</a:t>
+            </a:r>
+            <a:r>
+              <a:rPr lang="it-IT" dirty="0" err="1"/>
+              <a:t>min</a:t>
+            </a:r>
+            <a:r>
+              <a:rPr lang="it-IT" dirty="0"/>
+              <a:t> 3) </a:t>
+            </a:r>
+            <a:r>
+              <a:rPr lang="it-IT" dirty="0" err="1"/>
+              <a:t>that</a:t>
+            </a:r>
+            <a:r>
+              <a:rPr lang="it-IT" dirty="0"/>
+              <a:t> </a:t>
+            </a:r>
+            <a:r>
+              <a:rPr lang="it-IT" dirty="0" err="1"/>
+              <a:t>should</a:t>
+            </a:r>
+            <a:r>
+              <a:rPr lang="it-IT" dirty="0"/>
+              <a:t> be </a:t>
+            </a:r>
+            <a:r>
+              <a:rPr lang="it-IT" dirty="0" err="1"/>
+              <a:t>used</a:t>
+            </a:r>
+            <a:r>
+              <a:rPr lang="it-IT" dirty="0"/>
+              <a:t> by the </a:t>
+            </a:r>
+            <a:r>
+              <a:rPr lang="it-IT" dirty="0" err="1"/>
+              <a:t>CharactaCollider</a:t>
+            </a:r>
+            <a:r>
+              <a:rPr lang="it-IT" dirty="0"/>
+              <a:t>.</a:t>
+            </a:r>
+          </a:p>
+          <a:p>
+            <a:r>
+              <a:rPr lang="it-IT" dirty="0" err="1"/>
+              <a:t>Rays</a:t>
+            </a:r>
+            <a:r>
+              <a:rPr lang="it-IT" dirty="0"/>
+              <a:t> </a:t>
+            </a:r>
+            <a:r>
+              <a:rPr lang="it-IT" dirty="0" err="1"/>
+              <a:t>will</a:t>
+            </a:r>
+            <a:r>
+              <a:rPr lang="it-IT" dirty="0"/>
+              <a:t> be </a:t>
+            </a:r>
+            <a:r>
+              <a:rPr lang="it-IT" dirty="0" err="1"/>
+              <a:t>used</a:t>
+            </a:r>
+            <a:r>
+              <a:rPr lang="it-IT" dirty="0"/>
+              <a:t> to check the </a:t>
+            </a:r>
+            <a:r>
+              <a:rPr lang="it-IT" dirty="0" err="1"/>
+              <a:t>collision</a:t>
+            </a:r>
+            <a:r>
+              <a:rPr lang="it-IT" dirty="0"/>
+              <a:t> state of the </a:t>
+            </a:r>
+            <a:r>
+              <a:rPr lang="it-IT" dirty="0" err="1"/>
+              <a:t>current</a:t>
+            </a:r>
+            <a:r>
+              <a:rPr lang="it-IT" dirty="0"/>
+              <a:t> </a:t>
+            </a:r>
+            <a:r>
+              <a:rPr lang="it-IT" dirty="0" err="1"/>
+              <a:t>object</a:t>
+            </a:r>
+            <a:r>
+              <a:rPr lang="it-IT" dirty="0"/>
+              <a:t>. </a:t>
+            </a:r>
+          </a:p>
+        </p:txBody>
+      </p:sp>
+      <p:sp>
+        <p:nvSpPr>
+          <p:cNvPr id="10" name="CasellaDiTesto 9">
+            <a:extLst>
+              <a:ext uri="{FF2B5EF4-FFF2-40B4-BE49-F238E27FC236}">
+                <a16:creationId xmlns:a16="http://schemas.microsoft.com/office/drawing/2014/main" id="{F2D3E928-5263-44A5-8815-9CB2797D78EE}"/>
+              </a:ext>
+            </a:extLst>
+          </p:cNvPr>
+          <p:cNvSpPr txBox="1"/>
+          <p:nvPr/>
+        </p:nvSpPr>
+        <p:spPr>
+          <a:xfrm>
+            <a:off x="838200" y="3868555"/>
+            <a:ext cx="7166114" cy="1754326"/>
+          </a:xfrm>
+          <a:prstGeom prst="rect">
+            <a:avLst/>
+          </a:prstGeom>
+          <a:noFill/>
+        </p:spPr>
+        <p:txBody>
+          <a:bodyPr wrap="square" rtlCol="0">
+            <a:spAutoFit/>
+          </a:bodyPr>
+          <a:lstStyle/>
+          <a:p>
+            <a:r>
+              <a:rPr lang="it-IT" dirty="0"/>
+              <a:t>The </a:t>
+            </a:r>
+            <a:r>
+              <a:rPr lang="it-IT" dirty="0" err="1"/>
+              <a:t>OutBoundsMargin</a:t>
+            </a:r>
+            <a:r>
+              <a:rPr lang="it-IT" dirty="0"/>
+              <a:t> </a:t>
+            </a:r>
+            <a:r>
+              <a:rPr lang="it-IT" dirty="0" err="1"/>
+              <a:t>attribute</a:t>
+            </a:r>
+            <a:r>
+              <a:rPr lang="it-IT" dirty="0"/>
+              <a:t> </a:t>
+            </a:r>
+            <a:r>
+              <a:rPr lang="it-IT" dirty="0" err="1"/>
+              <a:t>is</a:t>
+            </a:r>
+            <a:r>
+              <a:rPr lang="it-IT" dirty="0"/>
+              <a:t> </a:t>
+            </a:r>
+            <a:r>
+              <a:rPr lang="it-IT" dirty="0" err="1"/>
+              <a:t>used</a:t>
+            </a:r>
+            <a:r>
+              <a:rPr lang="it-IT" dirty="0"/>
+              <a:t> to </a:t>
+            </a:r>
+            <a:r>
+              <a:rPr lang="it-IT" dirty="0" err="1"/>
+              <a:t>define</a:t>
+            </a:r>
+            <a:r>
+              <a:rPr lang="it-IT" dirty="0"/>
+              <a:t> </a:t>
+            </a:r>
+            <a:r>
+              <a:rPr lang="it-IT" dirty="0" err="1"/>
+              <a:t>at</a:t>
+            </a:r>
+            <a:r>
+              <a:rPr lang="it-IT" dirty="0"/>
+              <a:t> </a:t>
+            </a:r>
+            <a:r>
+              <a:rPr lang="it-IT" dirty="0" err="1"/>
+              <a:t>which</a:t>
+            </a:r>
+            <a:r>
+              <a:rPr lang="it-IT" dirty="0"/>
+              <a:t> </a:t>
+            </a:r>
+            <a:r>
+              <a:rPr lang="it-IT" dirty="0" err="1"/>
+              <a:t>distance</a:t>
+            </a:r>
+            <a:r>
+              <a:rPr lang="it-IT" dirty="0"/>
+              <a:t>, </a:t>
+            </a:r>
+            <a:r>
+              <a:rPr lang="it-IT" dirty="0" err="1"/>
+              <a:t>starting</a:t>
+            </a:r>
+            <a:r>
+              <a:rPr lang="it-IT" dirty="0"/>
+              <a:t> from the BoxCollider2D </a:t>
+            </a:r>
+            <a:r>
+              <a:rPr lang="it-IT" dirty="0" err="1"/>
+              <a:t>bounds</a:t>
+            </a:r>
+            <a:r>
+              <a:rPr lang="it-IT" dirty="0"/>
+              <a:t>, a </a:t>
+            </a:r>
+            <a:r>
+              <a:rPr lang="it-IT" dirty="0" err="1"/>
+              <a:t>collision</a:t>
+            </a:r>
+            <a:r>
+              <a:rPr lang="it-IT" dirty="0"/>
+              <a:t> can be </a:t>
+            </a:r>
+            <a:r>
+              <a:rPr lang="it-IT" dirty="0" err="1"/>
+              <a:t>valuated</a:t>
+            </a:r>
+            <a:r>
+              <a:rPr lang="it-IT" dirty="0"/>
+              <a:t> </a:t>
+            </a:r>
+            <a:r>
+              <a:rPr lang="it-IT" dirty="0" err="1"/>
+              <a:t>as</a:t>
+            </a:r>
+            <a:r>
+              <a:rPr lang="it-IT" dirty="0"/>
+              <a:t> </a:t>
+            </a:r>
+            <a:r>
+              <a:rPr lang="it-IT" dirty="0" err="1"/>
+              <a:t>true</a:t>
+            </a:r>
+            <a:r>
+              <a:rPr lang="it-IT" dirty="0"/>
+              <a:t>.</a:t>
+            </a:r>
+          </a:p>
+          <a:p>
+            <a:r>
+              <a:rPr lang="it-IT" dirty="0"/>
+              <a:t>The </a:t>
+            </a:r>
+            <a:r>
+              <a:rPr lang="it-IT" dirty="0" err="1"/>
+              <a:t>InBoundsMargin</a:t>
+            </a:r>
+            <a:r>
+              <a:rPr lang="it-IT" dirty="0"/>
+              <a:t> </a:t>
+            </a:r>
+            <a:r>
+              <a:rPr lang="it-IT" dirty="0" err="1"/>
+              <a:t>attribute</a:t>
+            </a:r>
+            <a:r>
+              <a:rPr lang="it-IT" dirty="0"/>
+              <a:t> </a:t>
+            </a:r>
+            <a:r>
+              <a:rPr lang="it-IT" dirty="0" err="1"/>
+              <a:t>is</a:t>
+            </a:r>
+            <a:r>
+              <a:rPr lang="it-IT" dirty="0"/>
+              <a:t> </a:t>
+            </a:r>
+            <a:r>
+              <a:rPr lang="it-IT" dirty="0" err="1"/>
+              <a:t>used</a:t>
+            </a:r>
+            <a:r>
+              <a:rPr lang="it-IT" dirty="0"/>
+              <a:t> to </a:t>
+            </a:r>
+            <a:r>
+              <a:rPr lang="it-IT" dirty="0" err="1"/>
+              <a:t>define</a:t>
+            </a:r>
+            <a:r>
+              <a:rPr lang="it-IT" dirty="0"/>
+              <a:t> the </a:t>
+            </a:r>
+            <a:r>
+              <a:rPr lang="it-IT" dirty="0" err="1"/>
+              <a:t>margin</a:t>
+            </a:r>
+            <a:r>
+              <a:rPr lang="it-IT" dirty="0"/>
+              <a:t> inside the BoxCollider2D </a:t>
+            </a:r>
+            <a:r>
+              <a:rPr lang="it-IT" dirty="0" err="1"/>
+              <a:t>bounds</a:t>
+            </a:r>
+            <a:r>
+              <a:rPr lang="it-IT" dirty="0"/>
+              <a:t> in </a:t>
+            </a:r>
+            <a:r>
+              <a:rPr lang="it-IT" dirty="0" err="1"/>
+              <a:t>which</a:t>
+            </a:r>
+            <a:r>
+              <a:rPr lang="it-IT" dirty="0"/>
+              <a:t> the </a:t>
+            </a:r>
+            <a:r>
+              <a:rPr lang="it-IT" dirty="0" err="1"/>
+              <a:t>rays</a:t>
+            </a:r>
+            <a:r>
+              <a:rPr lang="it-IT" dirty="0"/>
+              <a:t> </a:t>
+            </a:r>
+            <a:r>
+              <a:rPr lang="it-IT" dirty="0" err="1"/>
+              <a:t>should</a:t>
+            </a:r>
+            <a:r>
+              <a:rPr lang="it-IT" dirty="0"/>
+              <a:t> start. </a:t>
+            </a:r>
+            <a:r>
+              <a:rPr lang="it-IT" dirty="0" err="1"/>
+              <a:t>As</a:t>
+            </a:r>
+            <a:r>
+              <a:rPr lang="it-IT" dirty="0"/>
+              <a:t> </a:t>
+            </a:r>
+            <a:r>
+              <a:rPr lang="it-IT" dirty="0" err="1"/>
+              <a:t>you</a:t>
+            </a:r>
+            <a:r>
+              <a:rPr lang="it-IT" dirty="0"/>
+              <a:t> can </a:t>
+            </a:r>
+            <a:r>
+              <a:rPr lang="it-IT" dirty="0" err="1"/>
+              <a:t>see</a:t>
+            </a:r>
+            <a:r>
+              <a:rPr lang="it-IT" dirty="0"/>
+              <a:t> in </a:t>
+            </a:r>
+            <a:r>
+              <a:rPr lang="it-IT" dirty="0" err="1"/>
+              <a:t>picture</a:t>
+            </a:r>
+            <a:r>
+              <a:rPr lang="it-IT" dirty="0"/>
+              <a:t> </a:t>
+            </a:r>
+            <a:r>
+              <a:rPr lang="it-IT" dirty="0" err="1"/>
+              <a:t>below</a:t>
+            </a:r>
+            <a:r>
+              <a:rPr lang="it-IT" dirty="0"/>
+              <a:t>, the </a:t>
+            </a:r>
+            <a:r>
+              <a:rPr lang="it-IT" dirty="0" err="1"/>
+              <a:t>vertical</a:t>
+            </a:r>
+            <a:r>
+              <a:rPr lang="it-IT" dirty="0"/>
+              <a:t> </a:t>
+            </a:r>
+            <a:r>
+              <a:rPr lang="it-IT" dirty="0" err="1"/>
+              <a:t>rays</a:t>
+            </a:r>
+            <a:r>
+              <a:rPr lang="it-IT" dirty="0"/>
+              <a:t> </a:t>
+            </a:r>
+            <a:r>
+              <a:rPr lang="it-IT" dirty="0" err="1"/>
+              <a:t>arent’s</a:t>
+            </a:r>
+            <a:r>
+              <a:rPr lang="it-IT" dirty="0"/>
+              <a:t> on the BoxCollider2D </a:t>
+            </a:r>
+            <a:r>
+              <a:rPr lang="it-IT" dirty="0" err="1"/>
+              <a:t>bounds</a:t>
+            </a:r>
+            <a:r>
+              <a:rPr lang="it-IT" dirty="0"/>
+              <a:t> </a:t>
+            </a:r>
+            <a:r>
+              <a:rPr lang="it-IT" dirty="0" err="1"/>
+              <a:t>border</a:t>
+            </a:r>
+            <a:r>
+              <a:rPr lang="it-IT" dirty="0"/>
+              <a:t>, </a:t>
+            </a:r>
+            <a:r>
+              <a:rPr lang="it-IT" dirty="0" err="1"/>
+              <a:t>but</a:t>
+            </a:r>
+            <a:r>
+              <a:rPr lang="it-IT" dirty="0"/>
+              <a:t> </a:t>
+            </a:r>
+            <a:r>
+              <a:rPr lang="it-IT" dirty="0" err="1"/>
+              <a:t>they</a:t>
+            </a:r>
+            <a:r>
+              <a:rPr lang="it-IT" dirty="0"/>
+              <a:t> start </a:t>
+            </a:r>
+            <a:r>
+              <a:rPr lang="it-IT" dirty="0" err="1"/>
+              <a:t>at</a:t>
+            </a:r>
+            <a:r>
+              <a:rPr lang="it-IT" dirty="0"/>
+              <a:t> 0.01f </a:t>
+            </a:r>
+            <a:r>
+              <a:rPr lang="it-IT" dirty="0" err="1"/>
+              <a:t>distance</a:t>
+            </a:r>
+            <a:r>
+              <a:rPr lang="it-IT" dirty="0"/>
+              <a:t> inside.</a:t>
+            </a:r>
+          </a:p>
+        </p:txBody>
+      </p:sp>
+    </p:spTree>
+    <p:extLst>
+      <p:ext uri="{BB962C8B-B14F-4D97-AF65-F5344CB8AC3E}">
+        <p14:creationId xmlns:p14="http://schemas.microsoft.com/office/powerpoint/2010/main" val="2801463846"/>
+      </p:ext>
+    </p:extLst>
+  </p:cSld>
+  <p:clrMapOvr>
+    <a:masterClrMapping/>
+  </p:clrMapOvr>
+</p:sld>
+</file>
+
+<file path=ppt/slides/slide7.xml><?xml version="1.0" encoding="utf-8"?>
+<p:sld xmlns:a="http://schemas.openxmlformats.org/drawingml/2006/main" xmlns:r="http://schemas.openxmlformats.org/officeDocument/2006/relationships" xmlns:p="http://schemas.openxmlformats.org/presentationml/2006/main">
+  <p:cSld>
+    <p:spTree>
+      <p:nvGrpSpPr>
+        <p:cNvPr id="1" name=""/>
+        <p:cNvGrpSpPr/>
+        <p:nvPr/>
+      </p:nvGrpSpPr>
+      <p:grpSpPr>
+        <a:xfrm>
+          <a:off x="0" y="0"/>
+          <a:ext cx="0" cy="0"/>
+          <a:chOff x="0" y="0"/>
+          <a:chExt cx="0" cy="0"/>
+        </a:xfrm>
+      </p:grpSpPr>
+      <p:sp>
+        <p:nvSpPr>
+          <p:cNvPr id="2" name="Titolo 1">
+            <a:extLst>
+              <a:ext uri="{FF2B5EF4-FFF2-40B4-BE49-F238E27FC236}">
+                <a16:creationId xmlns:a16="http://schemas.microsoft.com/office/drawing/2014/main" id="{1C3D6BE7-B3DC-4182-85B9-DD0B73F31AF6}"/>
+              </a:ext>
+            </a:extLst>
+          </p:cNvPr>
+          <p:cNvSpPr>
+            <a:spLocks noGrp="1"/>
+          </p:cNvSpPr>
+          <p:nvPr>
+            <p:ph type="title"/>
+          </p:nvPr>
+        </p:nvSpPr>
+        <p:spPr/>
+        <p:txBody>
+          <a:bodyPr/>
+          <a:lstStyle/>
+          <a:p>
+            <a:r>
+              <a:rPr lang="it-IT" b="1" dirty="0"/>
+              <a:t>How to setup a player</a:t>
+            </a:r>
+          </a:p>
+        </p:txBody>
+      </p:sp>
+      <p:pic>
+        <p:nvPicPr>
+          <p:cNvPr id="4" name="Segnaposto contenuto 3">
+            <a:extLst>
+              <a:ext uri="{FF2B5EF4-FFF2-40B4-BE49-F238E27FC236}">
+                <a16:creationId xmlns:a16="http://schemas.microsoft.com/office/drawing/2014/main" id="{14908538-A673-43B2-BEDB-858EE02F6217}"/>
+              </a:ext>
+            </a:extLst>
+          </p:cNvPr>
+          <p:cNvPicPr>
+            <a:picLocks noGrp="1" noChangeAspect="1"/>
+          </p:cNvPicPr>
+          <p:nvPr>
+            <p:ph idx="1"/>
+          </p:nvPr>
+        </p:nvPicPr>
+        <p:blipFill>
+          <a:blip r:embed="rId2"/>
+          <a:stretch>
+            <a:fillRect/>
+          </a:stretch>
+        </p:blipFill>
+        <p:spPr>
+          <a:xfrm>
+            <a:off x="838200" y="1690688"/>
+            <a:ext cx="7189575" cy="4351338"/>
+          </a:xfrm>
+          <a:prstGeom prst="rect">
+            <a:avLst/>
+          </a:prstGeom>
+        </p:spPr>
+      </p:pic>
+      <p:sp>
+        <p:nvSpPr>
+          <p:cNvPr id="5" name="CasellaDiTesto 4">
+            <a:extLst>
+              <a:ext uri="{FF2B5EF4-FFF2-40B4-BE49-F238E27FC236}">
+                <a16:creationId xmlns:a16="http://schemas.microsoft.com/office/drawing/2014/main" id="{49CA244B-840E-4C81-8DF7-00D2DB358801}"/>
+              </a:ext>
+            </a:extLst>
+          </p:cNvPr>
+          <p:cNvSpPr txBox="1"/>
+          <p:nvPr/>
+        </p:nvSpPr>
+        <p:spPr>
+          <a:xfrm>
+            <a:off x="8348870" y="2014330"/>
+            <a:ext cx="3004930" cy="3139321"/>
+          </a:xfrm>
+          <a:prstGeom prst="rect">
+            <a:avLst/>
+          </a:prstGeom>
+          <a:noFill/>
+        </p:spPr>
+        <p:txBody>
+          <a:bodyPr wrap="square" rtlCol="0">
+            <a:spAutoFit/>
+          </a:bodyPr>
+          <a:lstStyle/>
+          <a:p>
+            <a:r>
+              <a:rPr lang="it-IT" dirty="0" err="1"/>
+              <a:t>Simply</a:t>
+            </a:r>
+            <a:r>
+              <a:rPr lang="it-IT" dirty="0"/>
+              <a:t> </a:t>
+            </a:r>
+            <a:r>
+              <a:rPr lang="it-IT" dirty="0" err="1"/>
+              <a:t>add</a:t>
+            </a:r>
+            <a:r>
+              <a:rPr lang="it-IT" dirty="0"/>
+              <a:t> the </a:t>
+            </a:r>
+            <a:r>
+              <a:rPr lang="it-IT" dirty="0" err="1"/>
+              <a:t>PlayerController</a:t>
+            </a:r>
+            <a:r>
+              <a:rPr lang="it-IT" dirty="0"/>
+              <a:t> on a </a:t>
+            </a:r>
+            <a:r>
+              <a:rPr lang="it-IT" dirty="0" err="1"/>
+              <a:t>sprite</a:t>
+            </a:r>
+            <a:r>
+              <a:rPr lang="it-IT" dirty="0"/>
+              <a:t>. </a:t>
+            </a:r>
+            <a:r>
+              <a:rPr lang="it-IT" dirty="0" err="1"/>
+              <a:t>All</a:t>
+            </a:r>
+            <a:r>
+              <a:rPr lang="it-IT" dirty="0"/>
+              <a:t> the </a:t>
+            </a:r>
+            <a:r>
+              <a:rPr lang="it-IT" dirty="0" err="1"/>
+              <a:t>dependencies</a:t>
+            </a:r>
+            <a:r>
+              <a:rPr lang="it-IT" dirty="0"/>
+              <a:t> </a:t>
+            </a:r>
+            <a:r>
+              <a:rPr lang="it-IT" dirty="0" err="1"/>
+              <a:t>will</a:t>
+            </a:r>
+            <a:r>
+              <a:rPr lang="it-IT" dirty="0"/>
+              <a:t> be </a:t>
+            </a:r>
+            <a:r>
+              <a:rPr lang="it-IT" dirty="0" err="1"/>
+              <a:t>automatically</a:t>
+            </a:r>
+            <a:r>
+              <a:rPr lang="it-IT" dirty="0"/>
+              <a:t> </a:t>
+            </a:r>
+            <a:r>
+              <a:rPr lang="it-IT" dirty="0" err="1"/>
+              <a:t>resolved</a:t>
+            </a:r>
+            <a:r>
+              <a:rPr lang="it-IT" dirty="0"/>
+              <a:t>.</a:t>
+            </a:r>
+          </a:p>
+          <a:p>
+            <a:r>
+              <a:rPr lang="it-IT" dirty="0" err="1"/>
+              <a:t>Next</a:t>
+            </a:r>
+            <a:r>
+              <a:rPr lang="it-IT" dirty="0"/>
+              <a:t> set and </a:t>
+            </a:r>
+            <a:r>
+              <a:rPr lang="it-IT" dirty="0" err="1"/>
+              <a:t>customize</a:t>
+            </a:r>
+            <a:r>
+              <a:rPr lang="it-IT" dirty="0"/>
+              <a:t> </a:t>
+            </a:r>
+            <a:r>
+              <a:rPr lang="it-IT" dirty="0" err="1"/>
+              <a:t>all</a:t>
+            </a:r>
+            <a:r>
+              <a:rPr lang="it-IT" dirty="0"/>
+              <a:t> the </a:t>
+            </a:r>
+            <a:r>
+              <a:rPr lang="it-IT" dirty="0" err="1"/>
+              <a:t>parameters</a:t>
+            </a:r>
+            <a:r>
+              <a:rPr lang="it-IT" dirty="0"/>
+              <a:t>, </a:t>
+            </a:r>
+            <a:r>
+              <a:rPr lang="it-IT" dirty="0" err="1"/>
+              <a:t>starting</a:t>
+            </a:r>
+            <a:r>
+              <a:rPr lang="it-IT" dirty="0"/>
+              <a:t> from the collider to the player controller.</a:t>
+            </a:r>
+          </a:p>
+          <a:p>
+            <a:r>
+              <a:rPr lang="it-IT" dirty="0" err="1"/>
+              <a:t>Finally</a:t>
+            </a:r>
+            <a:r>
+              <a:rPr lang="it-IT" dirty="0"/>
+              <a:t>, </a:t>
+            </a:r>
+            <a:r>
+              <a:rPr lang="it-IT" dirty="0" err="1"/>
+              <a:t>customize</a:t>
+            </a:r>
+            <a:r>
+              <a:rPr lang="it-IT" dirty="0"/>
+              <a:t> the player </a:t>
+            </a:r>
+            <a:r>
+              <a:rPr lang="it-IT" dirty="0" err="1"/>
+              <a:t>behaviour</a:t>
+            </a:r>
+            <a:r>
+              <a:rPr lang="it-IT" dirty="0"/>
+              <a:t> </a:t>
+            </a:r>
+            <a:r>
+              <a:rPr lang="it-IT" dirty="0" err="1"/>
+              <a:t>adding</a:t>
+            </a:r>
+            <a:r>
+              <a:rPr lang="it-IT" dirty="0"/>
+              <a:t> some </a:t>
+            </a:r>
+            <a:r>
+              <a:rPr lang="it-IT" dirty="0" err="1"/>
+              <a:t>capabilities</a:t>
+            </a:r>
+            <a:r>
+              <a:rPr lang="it-IT" dirty="0"/>
+              <a:t>.</a:t>
+            </a:r>
+          </a:p>
+        </p:txBody>
+      </p:sp>
+    </p:spTree>
+    <p:extLst>
+      <p:ext uri="{BB962C8B-B14F-4D97-AF65-F5344CB8AC3E}">
+        <p14:creationId xmlns:p14="http://schemas.microsoft.com/office/powerpoint/2010/main" val="882621216"/>
+      </p:ext>
+    </p:extLst>
+  </p:cSld>
+  <p:clrMapOvr>
+    <a:masterClrMapping/>
+  </p:clrMapOvr>
+</p:sld>
+</file>
+
+<file path=ppt/slides/slide8.xml><?xml version="1.0" encoding="utf-8"?>
+<p:sld xmlns:a="http://schemas.openxmlformats.org/drawingml/2006/main" xmlns:r="http://schemas.openxmlformats.org/officeDocument/2006/relationships" xmlns:p="http://schemas.openxmlformats.org/presentationml/2006/main">
+  <p:cSld>
+    <p:spTree>
+      <p:nvGrpSpPr>
+        <p:cNvPr id="1" name=""/>
+        <p:cNvGrpSpPr/>
+        <p:nvPr/>
+      </p:nvGrpSpPr>
+      <p:grpSpPr>
+        <a:xfrm>
+          <a:off x="0" y="0"/>
+          <a:ext cx="0" cy="0"/>
+          <a:chOff x="0" y="0"/>
+          <a:chExt cx="0" cy="0"/>
+        </a:xfrm>
+      </p:grpSpPr>
+      <p:sp>
+        <p:nvSpPr>
           <p:cNvPr id="2" name="Titolo 1"/>
           <p:cNvSpPr>
             <a:spLocks noGrp="1"/>
@@ -4015,10 +4989,9 @@
           <a:lstStyle/>
           <a:p>
             <a:r>
-              <a:rPr lang="it-IT" b="1" dirty="0" smtClean="0"/>
+              <a:rPr lang="it-IT" b="1" dirty="0"/>
               <a:t>Characta2D</a:t>
             </a:r>
-            <a:endParaRPr lang="it-IT" b="1" dirty="0"/>
           </a:p>
         </p:txBody>
       </p:sp>
@@ -4038,20 +5011,19 @@
           <a:lstStyle/>
           <a:p>
             <a:r>
-              <a:rPr lang="it-IT" dirty="0" err="1" smtClean="0"/>
+              <a:rPr lang="it-IT" dirty="0" err="1"/>
               <a:t>Credits</a:t>
             </a:r>
             <a:r>
-              <a:rPr lang="it-IT" dirty="0" smtClean="0"/>
+              <a:rPr lang="it-IT" dirty="0"/>
               <a:t>: Vito Domenico Tagliente</a:t>
             </a:r>
           </a:p>
           <a:p>
             <a:r>
-              <a:rPr lang="it-IT" dirty="0" smtClean="0"/>
+              <a:rPr lang="it-IT" dirty="0"/>
               <a:t>vitodomenicotagliente@gmail.com</a:t>
             </a:r>
-            <a:endParaRPr lang="it-IT" dirty="0"/>
           </a:p>
         </p:txBody>
       </p:sp>
